--- a/101-A/presentation/markupuk-2020-101-A.pptx
+++ b/101-A/presentation/markupuk-2020-101-A.pptx
@@ -5,10 +5,10 @@
     <p:sldMasterId id="2147483648" r:id="rId1"/>
   </p:sldMasterIdLst>
   <p:notesMasterIdLst>
-    <p:notesMasterId r:id="rId20"/>
+    <p:notesMasterId r:id="rId21"/>
   </p:notesMasterIdLst>
   <p:handoutMasterIdLst>
-    <p:handoutMasterId r:id="rId21"/>
+    <p:handoutMasterId r:id="rId22"/>
   </p:handoutMasterIdLst>
   <p:sldIdLst>
     <p:sldId id="256" r:id="rId2"/>
@@ -28,7 +28,8 @@
     <p:sldId id="335" r:id="rId16"/>
     <p:sldId id="336" r:id="rId17"/>
     <p:sldId id="337" r:id="rId18"/>
-    <p:sldId id="330" r:id="rId19"/>
+    <p:sldId id="338" r:id="rId19"/>
+    <p:sldId id="330" r:id="rId20"/>
   </p:sldIdLst>
   <p:sldSz cx="12192000" cy="6858000"/>
   <p:notesSz cx="6858000" cy="9144000"/>
@@ -232,7 +233,7 @@
           <a:p>
             <a:fld id="{0AAE6376-87C4-4D16-82D1-D37904F930BA}" type="datetimeFigureOut">
               <a:rPr lang="en-NL" smtClean="0"/>
-              <a:t>11/05/2020</a:t>
+              <a:t>25/05/2020</a:t>
             </a:fld>
             <a:endParaRPr lang="en-NL"/>
           </a:p>
@@ -409,7 +410,7 @@
           <a:p>
             <a:fld id="{3FA52A83-AFF0-44B5-B0CB-BF1EF92BF110}" type="datetimeFigureOut">
               <a:rPr lang="en-NL" smtClean="0"/>
-              <a:t>11/05/2020</a:t>
+              <a:t>25/05/2020</a:t>
             </a:fld>
             <a:endParaRPr lang="en-NL"/>
           </a:p>
@@ -1246,7 +1247,7 @@
           <a:p>
             <a:fld id="{9446F294-FC6D-4658-8D72-6C175CC4BEDF}" type="datetimeFigureOut">
               <a:rPr lang="en-US" smtClean="0"/>
-              <a:t>5/11/2020</a:t>
+              <a:t>5/25/2020</a:t>
             </a:fld>
             <a:endParaRPr lang="en-US"/>
           </a:p>
@@ -1446,7 +1447,7 @@
           <a:p>
             <a:fld id="{9446F294-FC6D-4658-8D72-6C175CC4BEDF}" type="datetimeFigureOut">
               <a:rPr lang="en-US" smtClean="0"/>
-              <a:t>5/11/2020</a:t>
+              <a:t>5/25/2020</a:t>
             </a:fld>
             <a:endParaRPr lang="en-US"/>
           </a:p>
@@ -1656,7 +1657,7 @@
           <a:p>
             <a:fld id="{9446F294-FC6D-4658-8D72-6C175CC4BEDF}" type="datetimeFigureOut">
               <a:rPr lang="en-US" smtClean="0"/>
-              <a:t>5/11/2020</a:t>
+              <a:t>5/25/2020</a:t>
             </a:fld>
             <a:endParaRPr lang="en-US"/>
           </a:p>
@@ -1856,7 +1857,7 @@
           <a:p>
             <a:fld id="{9446F294-FC6D-4658-8D72-6C175CC4BEDF}" type="datetimeFigureOut">
               <a:rPr lang="en-US" smtClean="0"/>
-              <a:t>5/11/2020</a:t>
+              <a:t>5/25/2020</a:t>
             </a:fld>
             <a:endParaRPr lang="en-US"/>
           </a:p>
@@ -2132,7 +2133,7 @@
           <a:p>
             <a:fld id="{9446F294-FC6D-4658-8D72-6C175CC4BEDF}" type="datetimeFigureOut">
               <a:rPr lang="en-US" smtClean="0"/>
-              <a:t>5/11/2020</a:t>
+              <a:t>5/25/2020</a:t>
             </a:fld>
             <a:endParaRPr lang="en-US"/>
           </a:p>
@@ -2400,7 +2401,7 @@
           <a:p>
             <a:fld id="{9446F294-FC6D-4658-8D72-6C175CC4BEDF}" type="datetimeFigureOut">
               <a:rPr lang="en-US" smtClean="0"/>
-              <a:t>5/11/2020</a:t>
+              <a:t>5/25/2020</a:t>
             </a:fld>
             <a:endParaRPr lang="en-US"/>
           </a:p>
@@ -2815,7 +2816,7 @@
           <a:p>
             <a:fld id="{9446F294-FC6D-4658-8D72-6C175CC4BEDF}" type="datetimeFigureOut">
               <a:rPr lang="en-US" smtClean="0"/>
-              <a:t>5/11/2020</a:t>
+              <a:t>5/25/2020</a:t>
             </a:fld>
             <a:endParaRPr lang="en-US"/>
           </a:p>
@@ -2957,7 +2958,7 @@
           <a:p>
             <a:fld id="{9446F294-FC6D-4658-8D72-6C175CC4BEDF}" type="datetimeFigureOut">
               <a:rPr lang="en-US" smtClean="0"/>
-              <a:t>5/11/2020</a:t>
+              <a:t>5/25/2020</a:t>
             </a:fld>
             <a:endParaRPr lang="en-US"/>
           </a:p>
@@ -3070,7 +3071,7 @@
           <a:p>
             <a:fld id="{9446F294-FC6D-4658-8D72-6C175CC4BEDF}" type="datetimeFigureOut">
               <a:rPr lang="en-US" smtClean="0"/>
-              <a:t>5/11/2020</a:t>
+              <a:t>5/25/2020</a:t>
             </a:fld>
             <a:endParaRPr lang="en-US"/>
           </a:p>
@@ -3383,7 +3384,7 @@
           <a:p>
             <a:fld id="{9446F294-FC6D-4658-8D72-6C175CC4BEDF}" type="datetimeFigureOut">
               <a:rPr lang="en-US" smtClean="0"/>
-              <a:t>5/11/2020</a:t>
+              <a:t>5/25/2020</a:t>
             </a:fld>
             <a:endParaRPr lang="en-US"/>
           </a:p>
@@ -3672,7 +3673,7 @@
           <a:p>
             <a:fld id="{9446F294-FC6D-4658-8D72-6C175CC4BEDF}" type="datetimeFigureOut">
               <a:rPr lang="en-US" smtClean="0"/>
-              <a:t>5/11/2020</a:t>
+              <a:t>5/25/2020</a:t>
             </a:fld>
             <a:endParaRPr lang="en-US"/>
           </a:p>
@@ -3915,7 +3916,7 @@
           <a:p>
             <a:fld id="{9446F294-FC6D-4658-8D72-6C175CC4BEDF}" type="datetimeFigureOut">
               <a:rPr lang="en-US" smtClean="0"/>
-              <a:t>5/11/2020</a:t>
+              <a:t>5/25/2020</a:t>
             </a:fld>
             <a:endParaRPr lang="en-US"/>
           </a:p>
@@ -6258,7 +6259,7 @@
         </p:nvSpPr>
         <p:spPr>
           <a:xfrm>
-            <a:off x="7753351" y="3924301"/>
+            <a:off x="7896024" y="3723322"/>
             <a:ext cx="4188038" cy="2361354"/>
           </a:xfrm>
           <a:prstGeom prst="wedgeEllipseCallout">
@@ -6291,7 +6292,15 @@
             <a:pPr algn="ctr"/>
             <a:r>
               <a:rPr lang="en-US" sz="2000" dirty="0"/>
-              <a:t>Think of primary ports having little magnets that </a:t>
+              <a:t>Think of primary ports as having little </a:t>
+            </a:r>
+            <a:r>
+              <a:rPr lang="en-US" sz="2000" i="1" dirty="0"/>
+              <a:t>magnets</a:t>
+            </a:r>
+            <a:r>
+              <a:rPr lang="en-US" sz="2000" dirty="0"/>
+              <a:t> that </a:t>
             </a:r>
             <a:r>
               <a:rPr lang="en-US" sz="2000" i="1" dirty="0"/>
@@ -12412,7 +12421,7 @@
           <p:cNvPr id="2" name="Title 1">
             <a:extLst>
               <a:ext uri="{FF2B5EF4-FFF2-40B4-BE49-F238E27FC236}">
-                <a16:creationId xmlns:a16="http://schemas.microsoft.com/office/drawing/2014/main" id="{69C1F8C1-9C4C-4D54-8868-98D27E1594F0}"/>
+                <a16:creationId xmlns:a16="http://schemas.microsoft.com/office/drawing/2014/main" id="{E1A291CF-5B52-4363-8617-5B975E8B14C2}"/>
               </a:ext>
             </a:extLst>
           </p:cNvPr>
@@ -12423,21 +12432,16 @@
             <p:ph type="title"/>
           </p:nvPr>
         </p:nvSpPr>
-        <p:spPr>
-          <a:xfrm>
-            <a:off x="199743" y="148699"/>
-            <a:ext cx="10515600" cy="868503"/>
-          </a:xfrm>
-        </p:spPr>
+        <p:spPr/>
         <p:txBody>
           <a:bodyPr/>
           <a:lstStyle/>
           <a:p>
             <a:r>
-              <a:rPr lang="en-US" b="1" dirty="0"/>
-              <a:t>Goodbye and thank the fish!</a:t>
-            </a:r>
-            <a:endParaRPr lang="en-NL" b="1" dirty="0"/>
+              <a:rPr lang="en-US" dirty="0"/>
+              <a:t>Wrap up:</a:t>
+            </a:r>
+            <a:endParaRPr lang="en-GB" dirty="0"/>
           </a:p>
         </p:txBody>
       </p:sp>
@@ -12446,7 +12450,7 @@
           <p:cNvPr id="3" name="Content Placeholder 2">
             <a:extLst>
               <a:ext uri="{FF2B5EF4-FFF2-40B4-BE49-F238E27FC236}">
-                <a16:creationId xmlns:a16="http://schemas.microsoft.com/office/drawing/2014/main" id="{EB447546-94E1-423A-8164-617B557A77FC}"/>
+                <a16:creationId xmlns:a16="http://schemas.microsoft.com/office/drawing/2014/main" id="{376FB710-45A2-488E-80EE-BFEC0D4BFA7B}"/>
               </a:ext>
             </a:extLst>
           </p:cNvPr>
@@ -12459,8 +12463,8 @@
         </p:nvSpPr>
         <p:spPr>
           <a:xfrm>
-            <a:off x="713755" y="1253331"/>
-            <a:ext cx="10515600" cy="5093362"/>
+            <a:off x="838200" y="1485089"/>
+            <a:ext cx="10515600" cy="4691874"/>
           </a:xfrm>
         </p:spPr>
         <p:txBody>
@@ -12469,6 +12473,327 @@
           </a:bodyPr>
           <a:lstStyle/>
           <a:p>
+            <a:r>
+              <a:rPr lang="en-US" dirty="0"/>
+              <a:t>XProc is a </a:t>
+            </a:r>
+            <a:r>
+              <a:rPr lang="en-US" i="1" dirty="0"/>
+              <a:t>pipeline</a:t>
+            </a:r>
+            <a:r>
+              <a:rPr lang="en-US" dirty="0"/>
+              <a:t> language for documents, it chains </a:t>
+            </a:r>
+            <a:r>
+              <a:rPr lang="en-US" i="1" dirty="0"/>
+              <a:t>steps</a:t>
+            </a:r>
+          </a:p>
+          <a:p>
+            <a:r>
+              <a:rPr lang="en-US" dirty="0"/>
+              <a:t>Documents flow in and out of steps through </a:t>
+            </a:r>
+            <a:r>
+              <a:rPr lang="en-US" i="1" dirty="0"/>
+              <a:t>ports</a:t>
+            </a:r>
+          </a:p>
+          <a:p>
+            <a:r>
+              <a:rPr lang="en-US" dirty="0"/>
+              <a:t>One input and one output port can be </a:t>
+            </a:r>
+            <a:r>
+              <a:rPr lang="en-US" i="1" dirty="0"/>
+              <a:t>primary</a:t>
+            </a:r>
+            <a:r>
+              <a:rPr lang="en-US" dirty="0"/>
+              <a:t>: These ports  automatically connect</a:t>
+            </a:r>
+          </a:p>
+          <a:p>
+            <a:pPr lvl="1"/>
+            <a:r>
+              <a:rPr lang="en-US" dirty="0"/>
+              <a:t>Primary ports are called </a:t>
+            </a:r>
+            <a:r>
+              <a:rPr lang="en-US" sz="2000" dirty="0">
+                <a:latin typeface="Courier New" panose="02070309020205020404" pitchFamily="49" charset="0"/>
+                <a:cs typeface="Courier New" panose="02070309020205020404" pitchFamily="49" charset="0"/>
+              </a:rPr>
+              <a:t>source</a:t>
+            </a:r>
+            <a:r>
+              <a:rPr lang="en-US" dirty="0"/>
+              <a:t> and </a:t>
+            </a:r>
+            <a:r>
+              <a:rPr lang="en-US" sz="2000" dirty="0">
+                <a:latin typeface="Courier New" panose="02070309020205020404" pitchFamily="49" charset="0"/>
+                <a:cs typeface="Courier New" panose="02070309020205020404" pitchFamily="49" charset="0"/>
+              </a:rPr>
+              <a:t>result</a:t>
+            </a:r>
+            <a:r>
+              <a:rPr lang="en-US" dirty="0"/>
+              <a:t> by convention</a:t>
+            </a:r>
+          </a:p>
+          <a:p>
+            <a:r>
+              <a:rPr lang="en-US" dirty="0"/>
+              <a:t>You can connect a port to:</a:t>
+            </a:r>
+          </a:p>
+          <a:p>
+            <a:pPr lvl="1"/>
+            <a:r>
+              <a:rPr lang="en-US" dirty="0"/>
+              <a:t>Another port (either </a:t>
+            </a:r>
+            <a:r>
+              <a:rPr lang="en-US" i="1" dirty="0"/>
+              <a:t>implicit</a:t>
+            </a:r>
+            <a:r>
+              <a:rPr lang="en-US" dirty="0"/>
+              <a:t> for primary ports or </a:t>
+            </a:r>
+            <a:r>
+              <a:rPr lang="en-US" i="1" dirty="0"/>
+              <a:t>explicit</a:t>
+            </a:r>
+            <a:r>
+              <a:rPr lang="en-US" dirty="0"/>
+              <a:t>: </a:t>
+            </a:r>
+            <a:r>
+              <a:rPr lang="en-US" sz="2000" dirty="0">
+                <a:latin typeface="Courier New" panose="02070309020205020404" pitchFamily="49" charset="0"/>
+                <a:cs typeface="Courier New" panose="02070309020205020404" pitchFamily="49" charset="0"/>
+              </a:rPr>
+              <a:t>&lt;</a:t>
+            </a:r>
+            <a:r>
+              <a:rPr lang="en-US" sz="2000" dirty="0" err="1">
+                <a:latin typeface="Courier New" panose="02070309020205020404" pitchFamily="49" charset="0"/>
+                <a:cs typeface="Courier New" panose="02070309020205020404" pitchFamily="49" charset="0"/>
+              </a:rPr>
+              <a:t>p:pipe</a:t>
+            </a:r>
+            <a:r>
+              <a:rPr lang="en-US" sz="2000" dirty="0">
+                <a:latin typeface="Courier New" panose="02070309020205020404" pitchFamily="49" charset="0"/>
+                <a:cs typeface="Courier New" panose="02070309020205020404" pitchFamily="49" charset="0"/>
+              </a:rPr>
+              <a:t>&gt;</a:t>
+            </a:r>
+            <a:r>
+              <a:rPr lang="en-US" dirty="0"/>
+              <a:t> or </a:t>
+            </a:r>
+            <a:r>
+              <a:rPr lang="en-US" sz="2000" dirty="0">
+                <a:latin typeface="Courier New" panose="02070309020205020404" pitchFamily="49" charset="0"/>
+                <a:cs typeface="Courier New" panose="02070309020205020404" pitchFamily="49" charset="0"/>
+              </a:rPr>
+              <a:t>@pipe</a:t>
+            </a:r>
+            <a:r>
+              <a:rPr lang="en-US" dirty="0"/>
+              <a:t>)</a:t>
+            </a:r>
+          </a:p>
+          <a:p>
+            <a:pPr lvl="1"/>
+            <a:r>
+              <a:rPr lang="en-US" dirty="0"/>
+              <a:t>To a document stated inline (</a:t>
+            </a:r>
+            <a:r>
+              <a:rPr lang="en-US" sz="2000" dirty="0">
+                <a:latin typeface="Courier New" panose="02070309020205020404" pitchFamily="49" charset="0"/>
+                <a:cs typeface="Courier New" panose="02070309020205020404" pitchFamily="49" charset="0"/>
+              </a:rPr>
+              <a:t>&lt;</a:t>
+            </a:r>
+            <a:r>
+              <a:rPr lang="en-US" sz="2000" dirty="0" err="1">
+                <a:latin typeface="Courier New" panose="02070309020205020404" pitchFamily="49" charset="0"/>
+                <a:cs typeface="Courier New" panose="02070309020205020404" pitchFamily="49" charset="0"/>
+              </a:rPr>
+              <a:t>p:inline</a:t>
+            </a:r>
+            <a:r>
+              <a:rPr lang="en-US" sz="2000" dirty="0">
+                <a:latin typeface="Courier New" panose="02070309020205020404" pitchFamily="49" charset="0"/>
+                <a:cs typeface="Courier New" panose="02070309020205020404" pitchFamily="49" charset="0"/>
+              </a:rPr>
+              <a:t>&gt;</a:t>
+            </a:r>
+            <a:r>
+              <a:rPr lang="en-US" dirty="0"/>
+              <a:t>)</a:t>
+            </a:r>
+          </a:p>
+          <a:p>
+            <a:pPr lvl="1"/>
+            <a:r>
+              <a:rPr lang="en-US" dirty="0"/>
+              <a:t>To a document on disk (</a:t>
+            </a:r>
+            <a:r>
+              <a:rPr lang="en-US" sz="2000" dirty="0">
+                <a:latin typeface="Courier New" panose="02070309020205020404" pitchFamily="49" charset="0"/>
+                <a:cs typeface="Courier New" panose="02070309020205020404" pitchFamily="49" charset="0"/>
+              </a:rPr>
+              <a:t>&lt;</a:t>
+            </a:r>
+            <a:r>
+              <a:rPr lang="en-US" sz="2000" dirty="0" err="1">
+                <a:latin typeface="Courier New" panose="02070309020205020404" pitchFamily="49" charset="0"/>
+                <a:cs typeface="Courier New" panose="02070309020205020404" pitchFamily="49" charset="0"/>
+              </a:rPr>
+              <a:t>p:document</a:t>
+            </a:r>
+            <a:r>
+              <a:rPr lang="en-US" sz="2000" dirty="0">
+                <a:latin typeface="Courier New" panose="02070309020205020404" pitchFamily="49" charset="0"/>
+                <a:cs typeface="Courier New" panose="02070309020205020404" pitchFamily="49" charset="0"/>
+              </a:rPr>
+              <a:t>&gt;</a:t>
+            </a:r>
+            <a:r>
+              <a:rPr lang="en-US" dirty="0"/>
+              <a:t> or </a:t>
+            </a:r>
+            <a:r>
+              <a:rPr lang="en-US" sz="2000" dirty="0">
+                <a:latin typeface="Courier New" panose="02070309020205020404" pitchFamily="49" charset="0"/>
+                <a:cs typeface="Courier New" panose="02070309020205020404" pitchFamily="49" charset="0"/>
+              </a:rPr>
+              <a:t>@</a:t>
+            </a:r>
+            <a:r>
+              <a:rPr lang="en-US" sz="2000" dirty="0" err="1">
+                <a:latin typeface="Courier New" panose="02070309020205020404" pitchFamily="49" charset="0"/>
+                <a:cs typeface="Courier New" panose="02070309020205020404" pitchFamily="49" charset="0"/>
+              </a:rPr>
+              <a:t>href</a:t>
+            </a:r>
+            <a:r>
+              <a:rPr lang="en-US" dirty="0"/>
+              <a:t>)</a:t>
+            </a:r>
+          </a:p>
+          <a:p>
+            <a:r>
+              <a:rPr lang="en-GB" i="1" dirty="0"/>
+              <a:t>Options</a:t>
+            </a:r>
+            <a:r>
+              <a:rPr lang="en-GB" dirty="0"/>
+              <a:t> are additional switches for the steps and/or your pipelines</a:t>
+            </a:r>
+          </a:p>
+        </p:txBody>
+      </p:sp>
+    </p:spTree>
+    <p:extLst>
+      <p:ext uri="{BB962C8B-B14F-4D97-AF65-F5344CB8AC3E}">
+        <p14:creationId xmlns:p14="http://schemas.microsoft.com/office/powerpoint/2010/main" val="2318689730"/>
+      </p:ext>
+    </p:extLst>
+  </p:cSld>
+  <p:clrMapOvr>
+    <a:masterClrMapping/>
+  </p:clrMapOvr>
+</p:sld>
+</file>
+
+<file path=ppt/slides/slide19.xml><?xml version="1.0" encoding="utf-8"?>
+<p:sld xmlns:a="http://schemas.openxmlformats.org/drawingml/2006/main" xmlns:r="http://schemas.openxmlformats.org/officeDocument/2006/relationships" xmlns:p="http://schemas.openxmlformats.org/presentationml/2006/main">
+  <p:cSld>
+    <p:spTree>
+      <p:nvGrpSpPr>
+        <p:cNvPr id="1" name=""/>
+        <p:cNvGrpSpPr/>
+        <p:nvPr/>
+      </p:nvGrpSpPr>
+      <p:grpSpPr>
+        <a:xfrm>
+          <a:off x="0" y="0"/>
+          <a:ext cx="0" cy="0"/>
+          <a:chOff x="0" y="0"/>
+          <a:chExt cx="0" cy="0"/>
+        </a:xfrm>
+      </p:grpSpPr>
+      <p:sp>
+        <p:nvSpPr>
+          <p:cNvPr id="2" name="Title 1">
+            <a:extLst>
+              <a:ext uri="{FF2B5EF4-FFF2-40B4-BE49-F238E27FC236}">
+                <a16:creationId xmlns:a16="http://schemas.microsoft.com/office/drawing/2014/main" id="{69C1F8C1-9C4C-4D54-8868-98D27E1594F0}"/>
+              </a:ext>
+            </a:extLst>
+          </p:cNvPr>
+          <p:cNvSpPr>
+            <a:spLocks noGrp="1"/>
+          </p:cNvSpPr>
+          <p:nvPr>
+            <p:ph type="title"/>
+          </p:nvPr>
+        </p:nvSpPr>
+        <p:spPr>
+          <a:xfrm>
+            <a:off x="199743" y="148699"/>
+            <a:ext cx="10515600" cy="868503"/>
+          </a:xfrm>
+        </p:spPr>
+        <p:txBody>
+          <a:bodyPr/>
+          <a:lstStyle/>
+          <a:p>
+            <a:r>
+              <a:rPr lang="en-US" b="1" dirty="0"/>
+              <a:t>Goodbye and thank the fish!</a:t>
+            </a:r>
+            <a:endParaRPr lang="en-NL" b="1" dirty="0"/>
+          </a:p>
+        </p:txBody>
+      </p:sp>
+      <p:sp>
+        <p:nvSpPr>
+          <p:cNvPr id="3" name="Content Placeholder 2">
+            <a:extLst>
+              <a:ext uri="{FF2B5EF4-FFF2-40B4-BE49-F238E27FC236}">
+                <a16:creationId xmlns:a16="http://schemas.microsoft.com/office/drawing/2014/main" id="{EB447546-94E1-423A-8164-617B557A77FC}"/>
+              </a:ext>
+            </a:extLst>
+          </p:cNvPr>
+          <p:cNvSpPr>
+            <a:spLocks noGrp="1"/>
+          </p:cNvSpPr>
+          <p:nvPr>
+            <p:ph idx="1"/>
+          </p:nvPr>
+        </p:nvSpPr>
+        <p:spPr>
+          <a:xfrm>
+            <a:off x="713755" y="1253331"/>
+            <a:ext cx="10515600" cy="5093362"/>
+          </a:xfrm>
+        </p:spPr>
+        <p:txBody>
+          <a:bodyPr>
+            <a:normAutofit/>
+          </a:bodyPr>
+          <a:lstStyle/>
+          <a:p>
             <a:pPr marL="0" indent="0">
               <a:buNone/>
             </a:pPr>
@@ -12592,20 +12917,6 @@
             </a:r>
             <a:endParaRPr lang="en-GB" dirty="0"/>
           </a:p>
-          <a:p>
-            <a:pPr lvl="1"/>
-            <a:r>
-              <a:rPr lang="en-GB" dirty="0"/>
-              <a:t>In The Netherlands: </a:t>
-            </a:r>
-            <a:r>
-              <a:rPr lang="en-GB" dirty="0">
-                <a:hlinkClick r:id="rId8"/>
-              </a:rPr>
-              <a:t>https://www.bol.com/nl/w/xatapult/1552636/</a:t>
-            </a:r>
-            <a:endParaRPr lang="nl-NL" dirty="0"/>
-          </a:p>
         </p:txBody>
       </p:sp>
       <p:sp>
@@ -12622,13 +12933,13 @@
         </p:nvSpPr>
         <p:spPr>
           <a:xfrm>
-            <a:off x="8343483" y="2110489"/>
-            <a:ext cx="2885872" cy="1318511"/>
+            <a:off x="7548663" y="1780162"/>
+            <a:ext cx="4364477" cy="2289242"/>
           </a:xfrm>
           <a:prstGeom prst="wedgeEllipseCallout">
             <a:avLst>
-              <a:gd name="adj1" fmla="val 62418"/>
-              <a:gd name="adj2" fmla="val 285142"/>
+              <a:gd name="adj1" fmla="val 43251"/>
+              <a:gd name="adj2" fmla="val 159929"/>
             </a:avLst>
           </a:prstGeom>
         </p:spPr>
@@ -12654,44 +12965,44 @@
           <a:p>
             <a:pPr algn="ctr"/>
             <a:r>
-              <a:rPr lang="en-US" dirty="0"/>
+              <a:rPr lang="en-US" sz="2800" dirty="0"/>
               <a:t>See you!</a:t>
             </a:r>
           </a:p>
           <a:p>
             <a:pPr algn="ctr"/>
             <a:r>
-              <a:rPr lang="en-US" dirty="0"/>
+              <a:rPr lang="en-US" sz="2800" dirty="0"/>
               <a:t>And remember, </a:t>
             </a:r>
             <a:r>
-              <a:rPr lang="en-US" dirty="0" err="1"/>
+              <a:rPr lang="en-US" sz="2800" dirty="0" err="1"/>
               <a:t>Kanava</a:t>
             </a:r>
             <a:r>
-              <a:rPr lang="en-US" dirty="0"/>
+              <a:rPr lang="en-US" sz="2800" dirty="0"/>
               <a:t> says: </a:t>
             </a:r>
           </a:p>
           <a:p>
             <a:pPr algn="ctr"/>
             <a:r>
-              <a:rPr lang="en-US" sz="2000" b="1" i="1" dirty="0"/>
+              <a:rPr lang="en-US" sz="3200" b="1" i="1" dirty="0"/>
               <a:t>XProc</a:t>
             </a:r>
             <a:r>
-              <a:rPr lang="en-US" b="1" i="1" dirty="0"/>
+              <a:rPr lang="en-US" sz="2800" b="1" i="1" dirty="0"/>
               <a:t> </a:t>
             </a:r>
             <a:r>
-              <a:rPr lang="en-US" sz="2000" b="1" i="1" dirty="0"/>
+              <a:rPr lang="en-US" sz="3200" b="1" i="1" dirty="0"/>
               <a:t>rocks…</a:t>
             </a:r>
             <a:r>
-              <a:rPr lang="en-US" b="1" i="1" dirty="0"/>
+              <a:rPr lang="en-US" sz="2800" b="1" i="1" dirty="0"/>
               <a:t> </a:t>
             </a:r>
-            <a:endParaRPr lang="en-NL" b="1" i="1" dirty="0"/>
+            <a:endParaRPr lang="en-NL" sz="2800" b="1" i="1" dirty="0"/>
           </a:p>
         </p:txBody>
       </p:sp>
@@ -13994,8 +14305,11 @@
           <a:p>
             <a:r>
               <a:rPr lang="en-US" dirty="0"/>
-              <a:t>Download Morgana by following the download link on </a:t>
-            </a:r>
+              <a:t>Download Morgana by following the download link:</a:t>
+            </a:r>
+            <a:br>
+              <a:rPr lang="en-US" dirty="0"/>
+            </a:br>
             <a:r>
               <a:rPr lang="nl-NL" b="1" dirty="0">
                 <a:hlinkClick r:id="rId3"/>

--- a/101-A/presentation/markupuk-2020-101-A.pptx
+++ b/101-A/presentation/markupuk-2020-101-A.pptx
@@ -5,10 +5,10 @@
     <p:sldMasterId id="2147483648" r:id="rId1"/>
   </p:sldMasterIdLst>
   <p:notesMasterIdLst>
-    <p:notesMasterId r:id="rId21"/>
+    <p:notesMasterId r:id="rId22"/>
   </p:notesMasterIdLst>
   <p:handoutMasterIdLst>
-    <p:handoutMasterId r:id="rId22"/>
+    <p:handoutMasterId r:id="rId23"/>
   </p:handoutMasterIdLst>
   <p:sldIdLst>
     <p:sldId id="256" r:id="rId2"/>
@@ -27,9 +27,10 @@
     <p:sldId id="315" r:id="rId15"/>
     <p:sldId id="335" r:id="rId16"/>
     <p:sldId id="336" r:id="rId17"/>
-    <p:sldId id="337" r:id="rId18"/>
-    <p:sldId id="338" r:id="rId19"/>
-    <p:sldId id="330" r:id="rId20"/>
+    <p:sldId id="339" r:id="rId18"/>
+    <p:sldId id="337" r:id="rId19"/>
+    <p:sldId id="338" r:id="rId20"/>
+    <p:sldId id="330" r:id="rId21"/>
   </p:sldIdLst>
   <p:sldSz cx="12192000" cy="6858000"/>
   <p:notesSz cx="6858000" cy="9144000"/>
@@ -233,7 +234,7 @@
           <a:p>
             <a:fld id="{0AAE6376-87C4-4D16-82D1-D37904F930BA}" type="datetimeFigureOut">
               <a:rPr lang="en-NL" smtClean="0"/>
-              <a:t>25/05/2020</a:t>
+              <a:t>28/05/2020</a:t>
             </a:fld>
             <a:endParaRPr lang="en-NL"/>
           </a:p>
@@ -410,7 +411,7 @@
           <a:p>
             <a:fld id="{3FA52A83-AFF0-44B5-B0CB-BF1EF92BF110}" type="datetimeFigureOut">
               <a:rPr lang="en-NL" smtClean="0"/>
-              <a:t>25/05/2020</a:t>
+              <a:t>28/05/2020</a:t>
             </a:fld>
             <a:endParaRPr lang="en-NL"/>
           </a:p>
@@ -1247,7 +1248,7 @@
           <a:p>
             <a:fld id="{9446F294-FC6D-4658-8D72-6C175CC4BEDF}" type="datetimeFigureOut">
               <a:rPr lang="en-US" smtClean="0"/>
-              <a:t>5/25/2020</a:t>
+              <a:t>5/28/2020</a:t>
             </a:fld>
             <a:endParaRPr lang="en-US"/>
           </a:p>
@@ -1447,7 +1448,7 @@
           <a:p>
             <a:fld id="{9446F294-FC6D-4658-8D72-6C175CC4BEDF}" type="datetimeFigureOut">
               <a:rPr lang="en-US" smtClean="0"/>
-              <a:t>5/25/2020</a:t>
+              <a:t>5/28/2020</a:t>
             </a:fld>
             <a:endParaRPr lang="en-US"/>
           </a:p>
@@ -1657,7 +1658,7 @@
           <a:p>
             <a:fld id="{9446F294-FC6D-4658-8D72-6C175CC4BEDF}" type="datetimeFigureOut">
               <a:rPr lang="en-US" smtClean="0"/>
-              <a:t>5/25/2020</a:t>
+              <a:t>5/28/2020</a:t>
             </a:fld>
             <a:endParaRPr lang="en-US"/>
           </a:p>
@@ -1857,7 +1858,7 @@
           <a:p>
             <a:fld id="{9446F294-FC6D-4658-8D72-6C175CC4BEDF}" type="datetimeFigureOut">
               <a:rPr lang="en-US" smtClean="0"/>
-              <a:t>5/25/2020</a:t>
+              <a:t>5/28/2020</a:t>
             </a:fld>
             <a:endParaRPr lang="en-US"/>
           </a:p>
@@ -2133,7 +2134,7 @@
           <a:p>
             <a:fld id="{9446F294-FC6D-4658-8D72-6C175CC4BEDF}" type="datetimeFigureOut">
               <a:rPr lang="en-US" smtClean="0"/>
-              <a:t>5/25/2020</a:t>
+              <a:t>5/28/2020</a:t>
             </a:fld>
             <a:endParaRPr lang="en-US"/>
           </a:p>
@@ -2401,7 +2402,7 @@
           <a:p>
             <a:fld id="{9446F294-FC6D-4658-8D72-6C175CC4BEDF}" type="datetimeFigureOut">
               <a:rPr lang="en-US" smtClean="0"/>
-              <a:t>5/25/2020</a:t>
+              <a:t>5/28/2020</a:t>
             </a:fld>
             <a:endParaRPr lang="en-US"/>
           </a:p>
@@ -2816,7 +2817,7 @@
           <a:p>
             <a:fld id="{9446F294-FC6D-4658-8D72-6C175CC4BEDF}" type="datetimeFigureOut">
               <a:rPr lang="en-US" smtClean="0"/>
-              <a:t>5/25/2020</a:t>
+              <a:t>5/28/2020</a:t>
             </a:fld>
             <a:endParaRPr lang="en-US"/>
           </a:p>
@@ -2958,7 +2959,7 @@
           <a:p>
             <a:fld id="{9446F294-FC6D-4658-8D72-6C175CC4BEDF}" type="datetimeFigureOut">
               <a:rPr lang="en-US" smtClean="0"/>
-              <a:t>5/25/2020</a:t>
+              <a:t>5/28/2020</a:t>
             </a:fld>
             <a:endParaRPr lang="en-US"/>
           </a:p>
@@ -3071,7 +3072,7 @@
           <a:p>
             <a:fld id="{9446F294-FC6D-4658-8D72-6C175CC4BEDF}" type="datetimeFigureOut">
               <a:rPr lang="en-US" smtClean="0"/>
-              <a:t>5/25/2020</a:t>
+              <a:t>5/28/2020</a:t>
             </a:fld>
             <a:endParaRPr lang="en-US"/>
           </a:p>
@@ -3384,7 +3385,7 @@
           <a:p>
             <a:fld id="{9446F294-FC6D-4658-8D72-6C175CC4BEDF}" type="datetimeFigureOut">
               <a:rPr lang="en-US" smtClean="0"/>
-              <a:t>5/25/2020</a:t>
+              <a:t>5/28/2020</a:t>
             </a:fld>
             <a:endParaRPr lang="en-US"/>
           </a:p>
@@ -3673,7 +3674,7 @@
           <a:p>
             <a:fld id="{9446F294-FC6D-4658-8D72-6C175CC4BEDF}" type="datetimeFigureOut">
               <a:rPr lang="en-US" smtClean="0"/>
-              <a:t>5/25/2020</a:t>
+              <a:t>5/28/2020</a:t>
             </a:fld>
             <a:endParaRPr lang="en-US"/>
           </a:p>
@@ -3916,7 +3917,7 @@
           <a:p>
             <a:fld id="{9446F294-FC6D-4658-8D72-6C175CC4BEDF}" type="datetimeFigureOut">
               <a:rPr lang="en-US" smtClean="0"/>
-              <a:t>5/25/2020</a:t>
+              <a:t>5/28/2020</a:t>
             </a:fld>
             <a:endParaRPr lang="en-US"/>
           </a:p>
@@ -10231,7 +10232,7 @@
         </p:nvSpPr>
         <p:spPr>
           <a:xfrm>
-            <a:off x="336550" y="272422"/>
+            <a:off x="330404" y="342229"/>
             <a:ext cx="11245850" cy="515923"/>
           </a:xfrm>
         </p:spPr>
@@ -10243,7 +10244,7 @@
           <a:p>
             <a:r>
               <a:rPr lang="en-US" dirty="0"/>
-              <a:t>Example 4: </a:t>
+              <a:t>Example 3: </a:t>
             </a:r>
             <a:r>
               <a:rPr lang="en-US" sz="2700" b="1" dirty="0">
@@ -10251,7 +10252,7 @@
                 <a:ea typeface="+mn-ea"/>
                 <a:cs typeface="Courier New" panose="02070309020205020404" pitchFamily="49" charset="0"/>
               </a:rPr>
-              <a:t>markupuk-2020/101-A/example-4/example-4a.xpl</a:t>
+              <a:t>markupuk-2020/101-A/example-4/example-3a.xpl</a:t>
             </a:r>
             <a:br>
               <a:rPr lang="en-GB" dirty="0"/>
@@ -11151,10 +11152,10 @@
       </p:sp>
       <p:sp>
         <p:nvSpPr>
-          <p:cNvPr id="25" name="Rechthoek: afgeronde hoeken 3">
-            <a:extLst>
-              <a:ext uri="{FF2B5EF4-FFF2-40B4-BE49-F238E27FC236}">
-                <a16:creationId xmlns:a16="http://schemas.microsoft.com/office/drawing/2014/main" id="{35E35CA7-CA4D-4D28-B651-9321E7086341}"/>
+          <p:cNvPr id="26" name="Rechthoek: ezelsoor 17">
+            <a:extLst>
+              <a:ext uri="{FF2B5EF4-FFF2-40B4-BE49-F238E27FC236}">
+                <a16:creationId xmlns:a16="http://schemas.microsoft.com/office/drawing/2014/main" id="{25175C43-0F86-4661-9921-CF8C62055D17}"/>
               </a:ext>
             </a:extLst>
           </p:cNvPr>
@@ -11163,56 +11164,7 @@
         </p:nvSpPr>
         <p:spPr>
           <a:xfrm>
-            <a:off x="6764142" y="645691"/>
-            <a:ext cx="1913389" cy="1080083"/>
-          </a:xfrm>
-          <a:prstGeom prst="roundRect">
-            <a:avLst/>
-          </a:prstGeom>
-        </p:spPr>
-        <p:style>
-          <a:lnRef idx="2">
-            <a:schemeClr val="accent1">
-              <a:shade val="50000"/>
-            </a:schemeClr>
-          </a:lnRef>
-          <a:fillRef idx="1">
-            <a:schemeClr val="accent1"/>
-          </a:fillRef>
-          <a:effectRef idx="0">
-            <a:schemeClr val="accent1"/>
-          </a:effectRef>
-          <a:fontRef idx="minor">
-            <a:schemeClr val="lt1"/>
-          </a:fontRef>
-        </p:style>
-        <p:txBody>
-          <a:bodyPr rtlCol="0" anchor="ctr"/>
-          <a:lstStyle/>
-          <a:p>
-            <a:pPr algn="ctr"/>
-            <a:r>
-              <a:rPr lang="en-US" sz="2000" dirty="0"/>
-              <a:t>wrap it in a &lt;title&gt;  element</a:t>
-            </a:r>
-          </a:p>
-        </p:txBody>
-      </p:sp>
-      <p:sp>
-        <p:nvSpPr>
-          <p:cNvPr id="26" name="Rechthoek: ezelsoor 17">
-            <a:extLst>
-              <a:ext uri="{FF2B5EF4-FFF2-40B4-BE49-F238E27FC236}">
-                <a16:creationId xmlns:a16="http://schemas.microsoft.com/office/drawing/2014/main" id="{25175C43-0F86-4661-9921-CF8C62055D17}"/>
-              </a:ext>
-            </a:extLst>
-          </p:cNvPr>
-          <p:cNvSpPr/>
-          <p:nvPr/>
-        </p:nvSpPr>
-        <p:spPr>
-          <a:xfrm>
-            <a:off x="4717967" y="1524152"/>
+            <a:off x="7121528" y="695526"/>
             <a:ext cx="1076936" cy="828626"/>
           </a:xfrm>
           <a:prstGeom prst="foldedCorner">
@@ -11252,7 +11204,7 @@
                   <a:schemeClr val="tx1"/>
                 </a:solidFill>
               </a:rPr>
-              <a:t>Title text: </a:t>
+              <a:t>Title XML: </a:t>
             </a:r>
             <a:br>
               <a:rPr lang="en-US" sz="1400" dirty="0">
@@ -11269,117 +11221,6 @@
               </a:rPr>
               <a:t>Hi there!</a:t>
             </a:r>
-          </a:p>
-        </p:txBody>
-      </p:sp>
-      <p:sp>
-        <p:nvSpPr>
-          <p:cNvPr id="27" name="Pijl: rechts 25">
-            <a:extLst>
-              <a:ext uri="{FF2B5EF4-FFF2-40B4-BE49-F238E27FC236}">
-                <a16:creationId xmlns:a16="http://schemas.microsoft.com/office/drawing/2014/main" id="{E017DBDA-5F8D-4DB3-9035-46D2E1B16E9C}"/>
-              </a:ext>
-            </a:extLst>
-          </p:cNvPr>
-          <p:cNvSpPr/>
-          <p:nvPr/>
-        </p:nvSpPr>
-        <p:spPr>
-          <a:xfrm>
-            <a:off x="5953329" y="927770"/>
-            <a:ext cx="985736" cy="515923"/>
-          </a:xfrm>
-          <a:prstGeom prst="rightArrow">
-            <a:avLst/>
-          </a:prstGeom>
-          <a:solidFill>
-            <a:schemeClr val="accent1">
-              <a:lumMod val="20000"/>
-              <a:lumOff val="80000"/>
-            </a:schemeClr>
-          </a:solidFill>
-        </p:spPr>
-        <p:style>
-          <a:lnRef idx="2">
-            <a:schemeClr val="accent1">
-              <a:shade val="50000"/>
-            </a:schemeClr>
-          </a:lnRef>
-          <a:fillRef idx="1">
-            <a:schemeClr val="accent1"/>
-          </a:fillRef>
-          <a:effectRef idx="0">
-            <a:schemeClr val="accent1"/>
-          </a:effectRef>
-          <a:fontRef idx="minor">
-            <a:schemeClr val="lt1"/>
-          </a:fontRef>
-        </p:style>
-        <p:txBody>
-          <a:bodyPr rot="0" spcFirstLastPara="0" vertOverflow="overflow" horzOverflow="overflow" vert="horz" wrap="square" lIns="91440" tIns="45720" rIns="91440" bIns="45720" numCol="1" spcCol="0" rtlCol="0" fromWordArt="0" anchor="ctr" anchorCtr="0" forceAA="0" compatLnSpc="1">
-            <a:prstTxWarp prst="textNoShape">
-              <a:avLst/>
-            </a:prstTxWarp>
-            <a:noAutofit/>
-          </a:bodyPr>
-          <a:lstStyle/>
-          <a:p>
-            <a:pPr algn="ctr"/>
-            <a:endParaRPr lang="en-US" dirty="0">
-              <a:solidFill>
-                <a:schemeClr val="tx1"/>
-              </a:solidFill>
-            </a:endParaRPr>
-          </a:p>
-        </p:txBody>
-      </p:sp>
-      <p:sp>
-        <p:nvSpPr>
-          <p:cNvPr id="28" name="Boog 20">
-            <a:extLst>
-              <a:ext uri="{FF2B5EF4-FFF2-40B4-BE49-F238E27FC236}">
-                <a16:creationId xmlns:a16="http://schemas.microsoft.com/office/drawing/2014/main" id="{0719E20B-61C7-45FE-955B-1E3EE1BA10B7}"/>
-              </a:ext>
-            </a:extLst>
-          </p:cNvPr>
-          <p:cNvSpPr/>
-          <p:nvPr/>
-        </p:nvSpPr>
-        <p:spPr>
-          <a:xfrm rot="18330535">
-            <a:off x="5188612" y="1116431"/>
-            <a:ext cx="822121" cy="794722"/>
-          </a:xfrm>
-          <a:prstGeom prst="arc">
-            <a:avLst>
-              <a:gd name="adj1" fmla="val 14279023"/>
-              <a:gd name="adj2" fmla="val 0"/>
-            </a:avLst>
-          </a:prstGeom>
-          <a:ln>
-            <a:tailEnd type="triangle" w="lg" len="med"/>
-          </a:ln>
-        </p:spPr>
-        <p:style>
-          <a:lnRef idx="1">
-            <a:schemeClr val="accent1"/>
-          </a:lnRef>
-          <a:fillRef idx="0">
-            <a:schemeClr val="accent1"/>
-          </a:fillRef>
-          <a:effectRef idx="0">
-            <a:schemeClr val="accent1"/>
-          </a:effectRef>
-          <a:fontRef idx="minor">
-            <a:schemeClr val="tx1"/>
-          </a:fontRef>
-        </p:style>
-        <p:txBody>
-          <a:bodyPr rtlCol="0" anchor="ctr"/>
-          <a:lstStyle/>
-          <a:p>
-            <a:pPr algn="ctr"/>
-            <a:endParaRPr lang="en-US"/>
           </a:p>
         </p:txBody>
       </p:sp>
@@ -11495,7 +11336,7 @@
         </p:nvSpPr>
         <p:spPr>
           <a:xfrm>
-            <a:off x="330404" y="335302"/>
+            <a:off x="330404" y="385104"/>
             <a:ext cx="11245850" cy="515923"/>
           </a:xfrm>
         </p:spPr>
@@ -11507,7 +11348,7 @@
           <a:p>
             <a:r>
               <a:rPr lang="en-US" dirty="0"/>
-              <a:t>Example 5: </a:t>
+              <a:t>Example 4: </a:t>
             </a:r>
             <a:r>
               <a:rPr lang="en-US" sz="2700" b="1" dirty="0">
@@ -11515,7 +11356,7 @@
                 <a:ea typeface="+mn-ea"/>
                 <a:cs typeface="Courier New" panose="02070309020205020404" pitchFamily="49" charset="0"/>
               </a:rPr>
-              <a:t>markupuk-2020/101-A/example-5/example-5.xpl</a:t>
+              <a:t>markupuk-2020/101-A/example-4/example-4a.xpl</a:t>
             </a:r>
             <a:br>
               <a:rPr lang="en-GB" dirty="0"/>
@@ -11526,10 +11367,10 @@
       </p:sp>
       <p:sp>
         <p:nvSpPr>
-          <p:cNvPr id="13" name="Rechthoek: afgeronde hoeken 3">
-            <a:extLst>
-              <a:ext uri="{FF2B5EF4-FFF2-40B4-BE49-F238E27FC236}">
-                <a16:creationId xmlns:a16="http://schemas.microsoft.com/office/drawing/2014/main" id="{F3A69C96-1CDC-4A30-9BAE-3231A9811031}"/>
+          <p:cNvPr id="9" name="Rechthoek: afgeronde hoeken 3">
+            <a:extLst>
+              <a:ext uri="{FF2B5EF4-FFF2-40B4-BE49-F238E27FC236}">
+                <a16:creationId xmlns:a16="http://schemas.microsoft.com/office/drawing/2014/main" id="{5CB65450-154B-4F7C-94EE-091306D54B01}"/>
               </a:ext>
             </a:extLst>
           </p:cNvPr>
@@ -11538,7 +11379,7 @@
         </p:nvSpPr>
         <p:spPr>
           <a:xfrm>
-            <a:off x="9895455" y="2931537"/>
+            <a:off x="851537" y="2931537"/>
             <a:ext cx="1913389" cy="1080083"/>
           </a:xfrm>
           <a:prstGeom prst="roundRect">
@@ -11568,17 +11409,17 @@
             <a:pPr algn="ctr"/>
             <a:r>
               <a:rPr lang="en-US" sz="2000" dirty="0"/>
-              <a:t>Add a root timestamp attribute </a:t>
-            </a:r>
-          </a:p>
-        </p:txBody>
-      </p:sp>
-      <p:sp>
-        <p:nvSpPr>
-          <p:cNvPr id="14" name="Pijl: rechts 25">
-            <a:extLst>
-              <a:ext uri="{FF2B5EF4-FFF2-40B4-BE49-F238E27FC236}">
-                <a16:creationId xmlns:a16="http://schemas.microsoft.com/office/drawing/2014/main" id="{D2A703A6-0688-4008-9A74-2E3C11C4BF6B}"/>
+              <a:t>wrap it in a &lt;text&gt;  element</a:t>
+            </a:r>
+          </a:p>
+        </p:txBody>
+      </p:sp>
+      <p:sp>
+        <p:nvSpPr>
+          <p:cNvPr id="10" name="Pijl: rechts 2">
+            <a:extLst>
+              <a:ext uri="{FF2B5EF4-FFF2-40B4-BE49-F238E27FC236}">
+                <a16:creationId xmlns:a16="http://schemas.microsoft.com/office/drawing/2014/main" id="{A31126C7-C720-4FE1-B165-01B8C24CAE10}"/>
               </a:ext>
             </a:extLst>
           </p:cNvPr>
@@ -11587,7 +11428,7 @@
         </p:nvSpPr>
         <p:spPr>
           <a:xfrm rot="5400000">
-            <a:off x="10110357" y="4509778"/>
+            <a:off x="1104540" y="1969883"/>
             <a:ext cx="1407385" cy="515923"/>
           </a:xfrm>
           <a:prstGeom prst="rightArrow">
@@ -11632,17 +11473,17 @@
                   <a:schemeClr val="tx1"/>
                 </a:solidFill>
               </a:rPr>
-              <a:t>result</a:t>
-            </a:r>
-          </a:p>
-        </p:txBody>
-      </p:sp>
-      <p:sp>
-        <p:nvSpPr>
-          <p:cNvPr id="15" name="Rechthoek: ezelsoor 34">
-            <a:extLst>
-              <a:ext uri="{FF2B5EF4-FFF2-40B4-BE49-F238E27FC236}">
-                <a16:creationId xmlns:a16="http://schemas.microsoft.com/office/drawing/2014/main" id="{744CC36F-75BB-452D-9278-ED12D6A57363}"/>
+              <a:t>source</a:t>
+            </a:r>
+          </a:p>
+        </p:txBody>
+      </p:sp>
+      <p:sp>
+        <p:nvSpPr>
+          <p:cNvPr id="11" name="Rechthoek: ezelsoor 17">
+            <a:extLst>
+              <a:ext uri="{FF2B5EF4-FFF2-40B4-BE49-F238E27FC236}">
+                <a16:creationId xmlns:a16="http://schemas.microsoft.com/office/drawing/2014/main" id="{5F97F3F1-82D9-4E4E-A0EA-CE6E6FD8D019}"/>
               </a:ext>
             </a:extLst>
           </p:cNvPr>
@@ -11651,8 +11492,8 @@
         </p:nvSpPr>
         <p:spPr>
           <a:xfrm>
-            <a:off x="9212164" y="5421093"/>
-            <a:ext cx="1147481" cy="873129"/>
+            <a:off x="262914" y="1101097"/>
+            <a:ext cx="1076936" cy="828626"/>
           </a:xfrm>
           <a:prstGeom prst="foldedCorner">
             <a:avLst/>
@@ -11691,17 +11532,17 @@
                   <a:schemeClr val="tx1"/>
                 </a:solidFill>
               </a:rPr>
-              <a:t>Result document</a:t>
-            </a:r>
-          </a:p>
-        </p:txBody>
-      </p:sp>
-      <p:sp>
-        <p:nvSpPr>
-          <p:cNvPr id="16" name="Boog 37">
-            <a:extLst>
-              <a:ext uri="{FF2B5EF4-FFF2-40B4-BE49-F238E27FC236}">
-                <a16:creationId xmlns:a16="http://schemas.microsoft.com/office/drawing/2014/main" id="{57676AF8-CC8F-4162-9251-4F983629784C}"/>
+              <a:t>Text document</a:t>
+            </a:r>
+          </a:p>
+        </p:txBody>
+      </p:sp>
+      <p:sp>
+        <p:nvSpPr>
+          <p:cNvPr id="12" name="Boog 20">
+            <a:extLst>
+              <a:ext uri="{FF2B5EF4-FFF2-40B4-BE49-F238E27FC236}">
+                <a16:creationId xmlns:a16="http://schemas.microsoft.com/office/drawing/2014/main" id="{BB8B44B1-321C-4239-9129-A504C9499A99}"/>
               </a:ext>
             </a:extLst>
           </p:cNvPr>
@@ -11709,15 +11550,18 @@
           <p:nvPr/>
         </p:nvSpPr>
         <p:spPr>
-          <a:xfrm flipV="1">
-            <a:off x="10081408" y="5121614"/>
-            <a:ext cx="725569" cy="828625"/>
+          <a:xfrm>
+            <a:off x="971433" y="1006393"/>
+            <a:ext cx="822121" cy="794722"/>
           </a:xfrm>
           <a:prstGeom prst="arc">
-            <a:avLst/>
+            <a:avLst>
+              <a:gd name="adj1" fmla="val 14279023"/>
+              <a:gd name="adj2" fmla="val 0"/>
+            </a:avLst>
           </a:prstGeom>
           <a:ln>
-            <a:headEnd type="triangle" w="lg" len="med"/>
+            <a:tailEnd type="triangle" w="lg" len="med"/>
           </a:ln>
         </p:spPr>
         <p:style>
@@ -11745,10 +11589,10 @@
       </p:sp>
       <p:sp>
         <p:nvSpPr>
-          <p:cNvPr id="19" name="Rechthoek: afgeronde hoeken 3">
-            <a:extLst>
-              <a:ext uri="{FF2B5EF4-FFF2-40B4-BE49-F238E27FC236}">
-                <a16:creationId xmlns:a16="http://schemas.microsoft.com/office/drawing/2014/main" id="{4B487A46-9C96-4714-869F-2027BC1FFE4D}"/>
+          <p:cNvPr id="13" name="Rechthoek: afgeronde hoeken 3">
+            <a:extLst>
+              <a:ext uri="{FF2B5EF4-FFF2-40B4-BE49-F238E27FC236}">
+                <a16:creationId xmlns:a16="http://schemas.microsoft.com/office/drawing/2014/main" id="{F3A69C96-1CDC-4A30-9BAE-3231A9811031}"/>
               </a:ext>
             </a:extLst>
           </p:cNvPr>
@@ -11757,7 +11601,7 @@
         </p:nvSpPr>
         <p:spPr>
           <a:xfrm>
-            <a:off x="6703302" y="2931535"/>
+            <a:off x="9895455" y="2931537"/>
             <a:ext cx="1913389" cy="1080083"/>
           </a:xfrm>
           <a:prstGeom prst="roundRect">
@@ -11787,17 +11631,17 @@
             <a:pPr algn="ctr"/>
             <a:r>
               <a:rPr lang="en-US" sz="2000" dirty="0"/>
-              <a:t>insert the &lt;author&gt; element</a:t>
-            </a:r>
-          </a:p>
-        </p:txBody>
-      </p:sp>
-      <p:sp>
-        <p:nvSpPr>
-          <p:cNvPr id="21" name="Pijl: rechts 25">
-            <a:extLst>
-              <a:ext uri="{FF2B5EF4-FFF2-40B4-BE49-F238E27FC236}">
-                <a16:creationId xmlns:a16="http://schemas.microsoft.com/office/drawing/2014/main" id="{D2AF38FD-9DB8-49A1-9EEA-5CACEB168E34}"/>
+              <a:t>Add a root timestamp attribute </a:t>
+            </a:r>
+          </a:p>
+        </p:txBody>
+      </p:sp>
+      <p:sp>
+        <p:nvSpPr>
+          <p:cNvPr id="14" name="Pijl: rechts 25">
+            <a:extLst>
+              <a:ext uri="{FF2B5EF4-FFF2-40B4-BE49-F238E27FC236}">
+                <a16:creationId xmlns:a16="http://schemas.microsoft.com/office/drawing/2014/main" id="{D2A703A6-0688-4008-9A74-2E3C11C4BF6B}"/>
               </a:ext>
             </a:extLst>
           </p:cNvPr>
@@ -11805,8 +11649,8 @@
           <p:nvPr/>
         </p:nvSpPr>
         <p:spPr>
-          <a:xfrm>
-            <a:off x="8552381" y="3213613"/>
+          <a:xfrm rot="5400000">
+            <a:off x="10110357" y="4509778"/>
             <a:ext cx="1407385" cy="515923"/>
           </a:xfrm>
           <a:prstGeom prst="rightArrow">
@@ -11845,242 +11689,41 @@
           <a:lstStyle/>
           <a:p>
             <a:pPr algn="ctr"/>
-            <a:endParaRPr lang="en-US" dirty="0">
-              <a:solidFill>
-                <a:schemeClr val="tx1"/>
-              </a:solidFill>
-            </a:endParaRPr>
-          </a:p>
-        </p:txBody>
-      </p:sp>
-      <p:sp>
-        <p:nvSpPr>
-          <p:cNvPr id="24" name="TextBox 23">
-            <a:extLst>
-              <a:ext uri="{FF2B5EF4-FFF2-40B4-BE49-F238E27FC236}">
-                <a16:creationId xmlns:a16="http://schemas.microsoft.com/office/drawing/2014/main" id="{E62BEDB6-9D68-4499-975D-D859D110C749}"/>
-              </a:ext>
-            </a:extLst>
-          </p:cNvPr>
-          <p:cNvSpPr txBox="1"/>
+            <a:r>
+              <a:rPr lang="en-US" dirty="0">
+                <a:solidFill>
+                  <a:schemeClr val="tx1"/>
+                </a:solidFill>
+              </a:rPr>
+              <a:t>result</a:t>
+            </a:r>
+          </a:p>
+        </p:txBody>
+      </p:sp>
+      <p:sp>
+        <p:nvSpPr>
+          <p:cNvPr id="15" name="Rechthoek: ezelsoor 34">
+            <a:extLst>
+              <a:ext uri="{FF2B5EF4-FFF2-40B4-BE49-F238E27FC236}">
+                <a16:creationId xmlns:a16="http://schemas.microsoft.com/office/drawing/2014/main" id="{744CC36F-75BB-452D-9278-ED12D6A57363}"/>
+              </a:ext>
+            </a:extLst>
+          </p:cNvPr>
+          <p:cNvSpPr/>
           <p:nvPr/>
         </p:nvSpPr>
         <p:spPr>
           <a:xfrm>
-            <a:off x="4670488" y="5326522"/>
-            <a:ext cx="4184844" cy="1323439"/>
-          </a:xfrm>
-          <a:prstGeom prst="rect">
+            <a:off x="9212164" y="5421093"/>
+            <a:ext cx="1147481" cy="873129"/>
+          </a:xfrm>
+          <a:prstGeom prst="foldedCorner">
             <a:avLst/>
           </a:prstGeom>
           <a:solidFill>
-            <a:schemeClr val="bg1">
-              <a:lumMod val="85000"/>
-            </a:schemeClr>
-          </a:solidFill>
-        </p:spPr>
-        <p:txBody>
-          <a:bodyPr wrap="square" rtlCol="0">
-            <a:spAutoFit/>
-          </a:bodyPr>
-          <a:lstStyle/>
-          <a:p>
-            <a:r>
-              <a:rPr lang="nl-NL" sz="1600" b="1" dirty="0">
-                <a:latin typeface="Courier New" panose="02070309020205020404" pitchFamily="49" charset="0"/>
-                <a:cs typeface="Courier New" panose="02070309020205020404" pitchFamily="49" charset="0"/>
-              </a:rPr>
-              <a:t>&lt;</a:t>
-            </a:r>
-            <a:r>
-              <a:rPr lang="nl-NL" sz="1600" b="1" dirty="0" err="1">
-                <a:latin typeface="Courier New" panose="02070309020205020404" pitchFamily="49" charset="0"/>
-                <a:cs typeface="Courier New" panose="02070309020205020404" pitchFamily="49" charset="0"/>
-              </a:rPr>
-              <a:t>doc</a:t>
-            </a:r>
-            <a:r>
-              <a:rPr lang="nl-NL" sz="1600" b="1" dirty="0">
-                <a:latin typeface="Courier New" panose="02070309020205020404" pitchFamily="49" charset="0"/>
-                <a:cs typeface="Courier New" panose="02070309020205020404" pitchFamily="49" charset="0"/>
-              </a:rPr>
-              <a:t> timestamp=“…”&gt;</a:t>
-            </a:r>
-          </a:p>
-          <a:p>
-            <a:r>
-              <a:rPr lang="nl-NL" sz="1600" b="1" dirty="0">
-                <a:latin typeface="Courier New" panose="02070309020205020404" pitchFamily="49" charset="0"/>
-                <a:cs typeface="Courier New" panose="02070309020205020404" pitchFamily="49" charset="0"/>
-              </a:rPr>
-              <a:t>  &lt;</a:t>
-            </a:r>
-            <a:r>
-              <a:rPr lang="nl-NL" sz="1600" b="1" dirty="0" err="1">
-                <a:latin typeface="Courier New" panose="02070309020205020404" pitchFamily="49" charset="0"/>
-                <a:cs typeface="Courier New" panose="02070309020205020404" pitchFamily="49" charset="0"/>
-              </a:rPr>
-              <a:t>author</a:t>
-            </a:r>
-            <a:r>
-              <a:rPr lang="nl-NL" sz="1600" b="1" dirty="0">
-                <a:latin typeface="Courier New" panose="02070309020205020404" pitchFamily="49" charset="0"/>
-                <a:cs typeface="Courier New" panose="02070309020205020404" pitchFamily="49" charset="0"/>
-              </a:rPr>
-              <a:t>&gt; … &lt;/</a:t>
-            </a:r>
-            <a:r>
-              <a:rPr lang="nl-NL" sz="1600" b="1" dirty="0" err="1">
-                <a:latin typeface="Courier New" panose="02070309020205020404" pitchFamily="49" charset="0"/>
-                <a:cs typeface="Courier New" panose="02070309020205020404" pitchFamily="49" charset="0"/>
-              </a:rPr>
-              <a:t>author</a:t>
-            </a:r>
-            <a:r>
-              <a:rPr lang="nl-NL" sz="1600" b="1" dirty="0">
-                <a:latin typeface="Courier New" panose="02070309020205020404" pitchFamily="49" charset="0"/>
-                <a:cs typeface="Courier New" panose="02070309020205020404" pitchFamily="49" charset="0"/>
-              </a:rPr>
-              <a:t>&gt;</a:t>
-            </a:r>
-          </a:p>
-          <a:p>
-            <a:r>
-              <a:rPr lang="nl-NL" sz="1600" b="1" dirty="0">
-                <a:latin typeface="Courier New" panose="02070309020205020404" pitchFamily="49" charset="0"/>
-                <a:cs typeface="Courier New" panose="02070309020205020404" pitchFamily="49" charset="0"/>
-              </a:rPr>
-              <a:t>  &lt;</a:t>
-            </a:r>
-            <a:r>
-              <a:rPr lang="nl-NL" sz="1600" b="1" dirty="0" err="1">
-                <a:latin typeface="Courier New" panose="02070309020205020404" pitchFamily="49" charset="0"/>
-                <a:cs typeface="Courier New" panose="02070309020205020404" pitchFamily="49" charset="0"/>
-              </a:rPr>
-              <a:t>title</a:t>
-            </a:r>
-            <a:r>
-              <a:rPr lang="nl-NL" sz="1600" b="1" dirty="0">
-                <a:latin typeface="Courier New" panose="02070309020205020404" pitchFamily="49" charset="0"/>
-                <a:cs typeface="Courier New" panose="02070309020205020404" pitchFamily="49" charset="0"/>
-              </a:rPr>
-              <a:t>&gt;Hi </a:t>
-            </a:r>
-            <a:r>
-              <a:rPr lang="nl-NL" sz="1600" b="1" dirty="0" err="1">
-                <a:latin typeface="Courier New" panose="02070309020205020404" pitchFamily="49" charset="0"/>
-                <a:cs typeface="Courier New" panose="02070309020205020404" pitchFamily="49" charset="0"/>
-              </a:rPr>
-              <a:t>there</a:t>
-            </a:r>
-            <a:r>
-              <a:rPr lang="nl-NL" sz="1600" b="1" dirty="0">
-                <a:latin typeface="Courier New" panose="02070309020205020404" pitchFamily="49" charset="0"/>
-                <a:cs typeface="Courier New" panose="02070309020205020404" pitchFamily="49" charset="0"/>
-              </a:rPr>
-              <a:t>!&lt;/</a:t>
-            </a:r>
-            <a:r>
-              <a:rPr lang="nl-NL" sz="1600" b="1" dirty="0" err="1">
-                <a:latin typeface="Courier New" panose="02070309020205020404" pitchFamily="49" charset="0"/>
-                <a:cs typeface="Courier New" panose="02070309020205020404" pitchFamily="49" charset="0"/>
-              </a:rPr>
-              <a:t>title</a:t>
-            </a:r>
-            <a:r>
-              <a:rPr lang="nl-NL" sz="1600" b="1" dirty="0">
-                <a:latin typeface="Courier New" panose="02070309020205020404" pitchFamily="49" charset="0"/>
-                <a:cs typeface="Courier New" panose="02070309020205020404" pitchFamily="49" charset="0"/>
-              </a:rPr>
-              <a:t>&gt;</a:t>
-            </a:r>
-          </a:p>
-          <a:p>
-            <a:r>
-              <a:rPr lang="nl-NL" sz="1600" b="1" dirty="0">
-                <a:latin typeface="Courier New" panose="02070309020205020404" pitchFamily="49" charset="0"/>
-                <a:cs typeface="Courier New" panose="02070309020205020404" pitchFamily="49" charset="0"/>
-              </a:rPr>
-              <a:t>  &lt;</a:t>
-            </a:r>
-            <a:r>
-              <a:rPr lang="nl-NL" sz="1600" b="1" dirty="0" err="1">
-                <a:latin typeface="Courier New" panose="02070309020205020404" pitchFamily="49" charset="0"/>
-                <a:cs typeface="Courier New" panose="02070309020205020404" pitchFamily="49" charset="0"/>
-              </a:rPr>
-              <a:t>text</a:t>
-            </a:r>
-            <a:r>
-              <a:rPr lang="nl-NL" sz="1600" b="1" dirty="0">
-                <a:latin typeface="Courier New" panose="02070309020205020404" pitchFamily="49" charset="0"/>
-                <a:cs typeface="Courier New" panose="02070309020205020404" pitchFamily="49" charset="0"/>
-              </a:rPr>
-              <a:t>&gt; … &lt;/</a:t>
-            </a:r>
-            <a:r>
-              <a:rPr lang="nl-NL" sz="1600" b="1" dirty="0" err="1">
-                <a:latin typeface="Courier New" panose="02070309020205020404" pitchFamily="49" charset="0"/>
-                <a:cs typeface="Courier New" panose="02070309020205020404" pitchFamily="49" charset="0"/>
-              </a:rPr>
-              <a:t>text</a:t>
-            </a:r>
-            <a:r>
-              <a:rPr lang="nl-NL" sz="1600" b="1" dirty="0">
-                <a:latin typeface="Courier New" panose="02070309020205020404" pitchFamily="49" charset="0"/>
-                <a:cs typeface="Courier New" panose="02070309020205020404" pitchFamily="49" charset="0"/>
-              </a:rPr>
-              <a:t>&gt;</a:t>
-            </a:r>
-          </a:p>
-          <a:p>
-            <a:r>
-              <a:rPr lang="nl-NL" sz="1600" b="1" dirty="0">
-                <a:latin typeface="Courier New" panose="02070309020205020404" pitchFamily="49" charset="0"/>
-                <a:cs typeface="Courier New" panose="02070309020205020404" pitchFamily="49" charset="0"/>
-              </a:rPr>
-              <a:t>&lt;/</a:t>
-            </a:r>
-            <a:r>
-              <a:rPr lang="nl-NL" sz="1600" b="1" dirty="0" err="1">
-                <a:latin typeface="Courier New" panose="02070309020205020404" pitchFamily="49" charset="0"/>
-                <a:cs typeface="Courier New" panose="02070309020205020404" pitchFamily="49" charset="0"/>
-              </a:rPr>
-              <a:t>doc</a:t>
-            </a:r>
-            <a:r>
-              <a:rPr lang="nl-NL" sz="1600" b="1" dirty="0">
-                <a:latin typeface="Courier New" panose="02070309020205020404" pitchFamily="49" charset="0"/>
-                <a:cs typeface="Courier New" panose="02070309020205020404" pitchFamily="49" charset="0"/>
-              </a:rPr>
-              <a:t>&gt;</a:t>
-            </a:r>
-          </a:p>
-        </p:txBody>
-      </p:sp>
-      <p:sp>
-        <p:nvSpPr>
-          <p:cNvPr id="25" name="Rechthoek: afgeronde hoeken 3">
-            <a:extLst>
-              <a:ext uri="{FF2B5EF4-FFF2-40B4-BE49-F238E27FC236}">
-                <a16:creationId xmlns:a16="http://schemas.microsoft.com/office/drawing/2014/main" id="{35E35CA7-CA4D-4D28-B651-9321E7086341}"/>
-              </a:ext>
-            </a:extLst>
-          </p:cNvPr>
-          <p:cNvSpPr/>
-          <p:nvPr/>
-        </p:nvSpPr>
-        <p:spPr>
-          <a:xfrm>
-            <a:off x="6764142" y="645691"/>
-            <a:ext cx="1913389" cy="1080083"/>
-          </a:xfrm>
-          <a:prstGeom prst="roundRect">
-            <a:avLst/>
-          </a:prstGeom>
-          <a:solidFill>
-            <a:schemeClr val="accent1">
-              <a:lumMod val="60000"/>
-              <a:lumOff val="40000"/>
+            <a:schemeClr val="accent4">
+              <a:lumMod val="40000"/>
+              <a:lumOff val="60000"/>
             </a:schemeClr>
           </a:solidFill>
         </p:spPr>
@@ -12106,18 +11749,22 @@
           <a:p>
             <a:pPr algn="ctr"/>
             <a:r>
-              <a:rPr lang="en-US" sz="2000" dirty="0"/>
-              <a:t>wrap in an &lt;author&gt;  element</a:t>
-            </a:r>
-          </a:p>
-        </p:txBody>
-      </p:sp>
-      <p:sp>
-        <p:nvSpPr>
-          <p:cNvPr id="27" name="Pijl: rechts 25">
-            <a:extLst>
-              <a:ext uri="{FF2B5EF4-FFF2-40B4-BE49-F238E27FC236}">
-                <a16:creationId xmlns:a16="http://schemas.microsoft.com/office/drawing/2014/main" id="{E017DBDA-5F8D-4DB3-9035-46D2E1B16E9C}"/>
+              <a:rPr lang="en-US" sz="1400" dirty="0">
+                <a:solidFill>
+                  <a:schemeClr val="tx1"/>
+                </a:solidFill>
+              </a:rPr>
+              <a:t>Result document</a:t>
+            </a:r>
+          </a:p>
+        </p:txBody>
+      </p:sp>
+      <p:sp>
+        <p:nvSpPr>
+          <p:cNvPr id="16" name="Boog 37">
+            <a:extLst>
+              <a:ext uri="{FF2B5EF4-FFF2-40B4-BE49-F238E27FC236}">
+                <a16:creationId xmlns:a16="http://schemas.microsoft.com/office/drawing/2014/main" id="{57676AF8-CC8F-4162-9251-4F983629784C}"/>
               </a:ext>
             </a:extLst>
           </p:cNvPr>
@@ -12125,9 +11772,154 @@
           <p:nvPr/>
         </p:nvSpPr>
         <p:spPr>
+          <a:xfrm flipV="1">
+            <a:off x="10081408" y="5121614"/>
+            <a:ext cx="725569" cy="828625"/>
+          </a:xfrm>
+          <a:prstGeom prst="arc">
+            <a:avLst/>
+          </a:prstGeom>
+          <a:ln>
+            <a:headEnd type="triangle" w="lg" len="med"/>
+          </a:ln>
+        </p:spPr>
+        <p:style>
+          <a:lnRef idx="1">
+            <a:schemeClr val="accent1"/>
+          </a:lnRef>
+          <a:fillRef idx="0">
+            <a:schemeClr val="accent1"/>
+          </a:fillRef>
+          <a:effectRef idx="0">
+            <a:schemeClr val="accent1"/>
+          </a:effectRef>
+          <a:fontRef idx="minor">
+            <a:schemeClr val="tx1"/>
+          </a:fontRef>
+        </p:style>
+        <p:txBody>
+          <a:bodyPr rtlCol="0" anchor="ctr"/>
+          <a:lstStyle/>
+          <a:p>
+            <a:pPr algn="ctr"/>
+            <a:endParaRPr lang="en-US"/>
+          </a:p>
+        </p:txBody>
+      </p:sp>
+      <p:sp>
+        <p:nvSpPr>
+          <p:cNvPr id="18" name="Rechthoek: afgeronde hoeken 3">
+            <a:extLst>
+              <a:ext uri="{FF2B5EF4-FFF2-40B4-BE49-F238E27FC236}">
+                <a16:creationId xmlns:a16="http://schemas.microsoft.com/office/drawing/2014/main" id="{F4DE4996-5D06-42C7-BA13-7FC3BB5B3CCC}"/>
+              </a:ext>
+            </a:extLst>
+          </p:cNvPr>
+          <p:cNvSpPr/>
+          <p:nvPr/>
+        </p:nvSpPr>
+        <p:spPr>
           <a:xfrm>
-            <a:off x="5953329" y="927770"/>
-            <a:ext cx="985736" cy="515923"/>
+            <a:off x="3689106" y="2931536"/>
+            <a:ext cx="1913389" cy="1080083"/>
+          </a:xfrm>
+          <a:prstGeom prst="roundRect">
+            <a:avLst/>
+          </a:prstGeom>
+        </p:spPr>
+        <p:style>
+          <a:lnRef idx="2">
+            <a:schemeClr val="accent1">
+              <a:shade val="50000"/>
+            </a:schemeClr>
+          </a:lnRef>
+          <a:fillRef idx="1">
+            <a:schemeClr val="accent1"/>
+          </a:fillRef>
+          <a:effectRef idx="0">
+            <a:schemeClr val="accent1"/>
+          </a:effectRef>
+          <a:fontRef idx="minor">
+            <a:schemeClr val="lt1"/>
+          </a:fontRef>
+        </p:style>
+        <p:txBody>
+          <a:bodyPr rtlCol="0" anchor="ctr"/>
+          <a:lstStyle/>
+          <a:p>
+            <a:pPr algn="ctr"/>
+            <a:r>
+              <a:rPr lang="en-US" sz="2000" dirty="0"/>
+              <a:t>wrap it in a &lt;doc&gt;  element</a:t>
+            </a:r>
+          </a:p>
+        </p:txBody>
+      </p:sp>
+      <p:sp>
+        <p:nvSpPr>
+          <p:cNvPr id="19" name="Rechthoek: afgeronde hoeken 3">
+            <a:extLst>
+              <a:ext uri="{FF2B5EF4-FFF2-40B4-BE49-F238E27FC236}">
+                <a16:creationId xmlns:a16="http://schemas.microsoft.com/office/drawing/2014/main" id="{4B487A46-9C96-4714-869F-2027BC1FFE4D}"/>
+              </a:ext>
+            </a:extLst>
+          </p:cNvPr>
+          <p:cNvSpPr/>
+          <p:nvPr/>
+        </p:nvSpPr>
+        <p:spPr>
+          <a:xfrm>
+            <a:off x="6703302" y="2931535"/>
+            <a:ext cx="1913389" cy="1080083"/>
+          </a:xfrm>
+          <a:prstGeom prst="roundRect">
+            <a:avLst/>
+          </a:prstGeom>
+        </p:spPr>
+        <p:style>
+          <a:lnRef idx="2">
+            <a:schemeClr val="accent1">
+              <a:shade val="50000"/>
+            </a:schemeClr>
+          </a:lnRef>
+          <a:fillRef idx="1">
+            <a:schemeClr val="accent1"/>
+          </a:fillRef>
+          <a:effectRef idx="0">
+            <a:schemeClr val="accent1"/>
+          </a:effectRef>
+          <a:fontRef idx="minor">
+            <a:schemeClr val="lt1"/>
+          </a:fontRef>
+        </p:style>
+        <p:txBody>
+          <a:bodyPr rtlCol="0" anchor="ctr"/>
+          <a:lstStyle/>
+          <a:p>
+            <a:pPr algn="ctr"/>
+            <a:r>
+              <a:rPr lang="en-US" sz="2000" dirty="0"/>
+              <a:t>insert the &lt;title&gt; element</a:t>
+            </a:r>
+          </a:p>
+        </p:txBody>
+      </p:sp>
+      <p:sp>
+        <p:nvSpPr>
+          <p:cNvPr id="17" name="Pijl: rechts 25">
+            <a:extLst>
+              <a:ext uri="{FF2B5EF4-FFF2-40B4-BE49-F238E27FC236}">
+                <a16:creationId xmlns:a16="http://schemas.microsoft.com/office/drawing/2014/main" id="{EF541A19-DCB6-42E2-8B5D-03ACDC17DAA1}"/>
+              </a:ext>
+            </a:extLst>
+          </p:cNvPr>
+          <p:cNvSpPr/>
+          <p:nvPr/>
+        </p:nvSpPr>
+        <p:spPr>
+          <a:xfrm>
+            <a:off x="2517453" y="3213614"/>
+            <a:ext cx="1282820" cy="515923"/>
           </a:xfrm>
           <a:prstGeom prst="rightArrow">
             <a:avLst/>
@@ -12175,10 +11967,10 @@
       </p:sp>
       <p:sp>
         <p:nvSpPr>
-          <p:cNvPr id="22" name="Pijl: rechts 2">
-            <a:extLst>
-              <a:ext uri="{FF2B5EF4-FFF2-40B4-BE49-F238E27FC236}">
-                <a16:creationId xmlns:a16="http://schemas.microsoft.com/office/drawing/2014/main" id="{6020A266-7CD7-4221-8832-0736B24F56F7}"/>
+          <p:cNvPr id="20" name="Pijl: rechts 25">
+            <a:extLst>
+              <a:ext uri="{FF2B5EF4-FFF2-40B4-BE49-F238E27FC236}">
+                <a16:creationId xmlns:a16="http://schemas.microsoft.com/office/drawing/2014/main" id="{DFC57FDD-0FCA-4992-9785-8E6505639EF3}"/>
               </a:ext>
             </a:extLst>
           </p:cNvPr>
@@ -12186,9 +11978,9 @@
           <p:nvPr/>
         </p:nvSpPr>
         <p:spPr>
-          <a:xfrm rot="5400000">
-            <a:off x="6985503" y="2063917"/>
-            <a:ext cx="1407385" cy="515923"/>
+          <a:xfrm>
+            <a:off x="5573771" y="3213613"/>
+            <a:ext cx="1282820" cy="515923"/>
           </a:xfrm>
           <a:prstGeom prst="rightArrow">
             <a:avLst/>
@@ -12226,71 +12018,20 @@
           <a:lstStyle/>
           <a:p>
             <a:pPr algn="ctr"/>
-            <a:r>
-              <a:rPr lang="en-US" dirty="0">
-                <a:solidFill>
-                  <a:schemeClr val="tx1"/>
-                </a:solidFill>
-              </a:rPr>
-              <a:t>insertion</a:t>
-            </a:r>
-          </a:p>
-        </p:txBody>
-      </p:sp>
-      <p:sp>
-        <p:nvSpPr>
-          <p:cNvPr id="3" name="TextBox 2">
-            <a:extLst>
-              <a:ext uri="{FF2B5EF4-FFF2-40B4-BE49-F238E27FC236}">
-                <a16:creationId xmlns:a16="http://schemas.microsoft.com/office/drawing/2014/main" id="{557A802A-6DD9-4CB3-9F91-6F83208890AD}"/>
-              </a:ext>
-            </a:extLst>
-          </p:cNvPr>
-          <p:cNvSpPr txBox="1"/>
-          <p:nvPr/>
-        </p:nvSpPr>
-        <p:spPr>
-          <a:xfrm>
-            <a:off x="3048460" y="1001065"/>
-            <a:ext cx="2814363" cy="677108"/>
-          </a:xfrm>
-          <a:prstGeom prst="rect">
-            <a:avLst/>
-          </a:prstGeom>
-          <a:noFill/>
-        </p:spPr>
-        <p:txBody>
-          <a:bodyPr wrap="square" rtlCol="0">
-            <a:spAutoFit/>
-          </a:bodyPr>
-          <a:lstStyle/>
-          <a:p>
-            <a:pPr algn="r"/>
-            <a:r>
-              <a:rPr lang="en-US" dirty="0"/>
-              <a:t>Use the value of the  </a:t>
-            </a:r>
-            <a:r>
-              <a:rPr lang="en-US" sz="2000" b="1" dirty="0">
-                <a:latin typeface="Courier New" panose="02070309020205020404" pitchFamily="49" charset="0"/>
-                <a:cs typeface="Courier New" panose="02070309020205020404" pitchFamily="49" charset="0"/>
-              </a:rPr>
-              <a:t>author</a:t>
-            </a:r>
-            <a:r>
-              <a:rPr lang="en-US" dirty="0"/>
-              <a:t> option</a:t>
-            </a:r>
-            <a:endParaRPr lang="en-GB" dirty="0"/>
-          </a:p>
-        </p:txBody>
-      </p:sp>
-      <p:sp>
-        <p:nvSpPr>
-          <p:cNvPr id="4" name="Arrow: Striped Right 3">
-            <a:extLst>
-              <a:ext uri="{FF2B5EF4-FFF2-40B4-BE49-F238E27FC236}">
-                <a16:creationId xmlns:a16="http://schemas.microsoft.com/office/drawing/2014/main" id="{B95DEE16-4E69-46F2-9871-EFCC33374C8F}"/>
+            <a:endParaRPr lang="en-US" dirty="0">
+              <a:solidFill>
+                <a:schemeClr val="tx1"/>
+              </a:solidFill>
+            </a:endParaRPr>
+          </a:p>
+        </p:txBody>
+      </p:sp>
+      <p:sp>
+        <p:nvSpPr>
+          <p:cNvPr id="21" name="Pijl: rechts 25">
+            <a:extLst>
+              <a:ext uri="{FF2B5EF4-FFF2-40B4-BE49-F238E27FC236}">
+                <a16:creationId xmlns:a16="http://schemas.microsoft.com/office/drawing/2014/main" id="{D2AF38FD-9DB8-49A1-9EEA-5CACEB168E34}"/>
               </a:ext>
             </a:extLst>
           </p:cNvPr>
@@ -12299,14 +12040,11 @@
         </p:nvSpPr>
         <p:spPr>
           <a:xfrm>
-            <a:off x="4634778" y="3266334"/>
-            <a:ext cx="2185481" cy="437502"/>
-          </a:xfrm>
-          <a:prstGeom prst="stripedRightArrow">
-            <a:avLst>
-              <a:gd name="adj1" fmla="val 52964"/>
-              <a:gd name="adj2" fmla="val 50000"/>
-            </a:avLst>
+            <a:off x="8552381" y="3213613"/>
+            <a:ext cx="1407385" cy="515923"/>
+          </a:xfrm>
+          <a:prstGeom prst="rightArrow">
+            <a:avLst/>
           </a:prstGeom>
           <a:solidFill>
             <a:schemeClr val="accent1">
@@ -12341,7 +12079,7 @@
           <a:lstStyle/>
           <a:p>
             <a:pPr algn="ctr"/>
-            <a:endParaRPr lang="en-GB">
+            <a:endParaRPr lang="en-US" dirty="0">
               <a:solidFill>
                 <a:schemeClr val="tx1"/>
               </a:solidFill>
@@ -12351,10 +12089,10 @@
       </p:sp>
       <p:sp>
         <p:nvSpPr>
-          <p:cNvPr id="5" name="TextBox 4">
-            <a:extLst>
-              <a:ext uri="{FF2B5EF4-FFF2-40B4-BE49-F238E27FC236}">
-                <a16:creationId xmlns:a16="http://schemas.microsoft.com/office/drawing/2014/main" id="{1AAD909C-0525-438D-99D8-8DF3FF2A5EF7}"/>
+          <p:cNvPr id="24" name="TextBox 23">
+            <a:extLst>
+              <a:ext uri="{FF2B5EF4-FFF2-40B4-BE49-F238E27FC236}">
+                <a16:creationId xmlns:a16="http://schemas.microsoft.com/office/drawing/2014/main" id="{E62BEDB6-9D68-4499-975D-D859D110C749}"/>
               </a:ext>
             </a:extLst>
           </p:cNvPr>
@@ -12363,13 +12101,17 @@
         </p:nvSpPr>
         <p:spPr>
           <a:xfrm>
-            <a:off x="2653691" y="3119061"/>
-            <a:ext cx="1893651" cy="584775"/>
+            <a:off x="4670488" y="5326522"/>
+            <a:ext cx="4184844" cy="1077218"/>
           </a:xfrm>
           <a:prstGeom prst="rect">
             <a:avLst/>
           </a:prstGeom>
-          <a:noFill/>
+          <a:solidFill>
+            <a:schemeClr val="bg1">
+              <a:lumMod val="85000"/>
+            </a:schemeClr>
+          </a:solidFill>
         </p:spPr>
         <p:txBody>
           <a:bodyPr wrap="square" rtlCol="0">
@@ -12377,19 +12119,443 @@
           </a:bodyPr>
           <a:lstStyle/>
           <a:p>
-            <a:pPr algn="r"/>
-            <a:r>
-              <a:rPr lang="en-US" sz="3200" b="1" dirty="0"/>
-              <a:t>…</a:t>
-            </a:r>
-            <a:endParaRPr lang="en-GB" sz="3200" b="1" dirty="0"/>
+            <a:r>
+              <a:rPr lang="nl-NL" sz="1600" b="1" dirty="0">
+                <a:latin typeface="Courier New" panose="02070309020205020404" pitchFamily="49" charset="0"/>
+                <a:cs typeface="Courier New" panose="02070309020205020404" pitchFamily="49" charset="0"/>
+              </a:rPr>
+              <a:t>&lt;</a:t>
+            </a:r>
+            <a:r>
+              <a:rPr lang="nl-NL" sz="1600" b="1" dirty="0" err="1">
+                <a:latin typeface="Courier New" panose="02070309020205020404" pitchFamily="49" charset="0"/>
+                <a:cs typeface="Courier New" panose="02070309020205020404" pitchFamily="49" charset="0"/>
+              </a:rPr>
+              <a:t>doc</a:t>
+            </a:r>
+            <a:r>
+              <a:rPr lang="nl-NL" sz="1600" b="1" dirty="0">
+                <a:latin typeface="Courier New" panose="02070309020205020404" pitchFamily="49" charset="0"/>
+                <a:cs typeface="Courier New" panose="02070309020205020404" pitchFamily="49" charset="0"/>
+              </a:rPr>
+              <a:t> timestamp=“…”&gt;</a:t>
+            </a:r>
+          </a:p>
+          <a:p>
+            <a:r>
+              <a:rPr lang="nl-NL" sz="1600" b="1" dirty="0">
+                <a:latin typeface="Courier New" panose="02070309020205020404" pitchFamily="49" charset="0"/>
+                <a:cs typeface="Courier New" panose="02070309020205020404" pitchFamily="49" charset="0"/>
+              </a:rPr>
+              <a:t>  &lt;</a:t>
+            </a:r>
+            <a:r>
+              <a:rPr lang="nl-NL" sz="1600" b="1" dirty="0" err="1">
+                <a:latin typeface="Courier New" panose="02070309020205020404" pitchFamily="49" charset="0"/>
+                <a:cs typeface="Courier New" panose="02070309020205020404" pitchFamily="49" charset="0"/>
+              </a:rPr>
+              <a:t>title</a:t>
+            </a:r>
+            <a:r>
+              <a:rPr lang="nl-NL" sz="1600" b="1" dirty="0">
+                <a:latin typeface="Courier New" panose="02070309020205020404" pitchFamily="49" charset="0"/>
+                <a:cs typeface="Courier New" panose="02070309020205020404" pitchFamily="49" charset="0"/>
+              </a:rPr>
+              <a:t>&gt;Hi </a:t>
+            </a:r>
+            <a:r>
+              <a:rPr lang="nl-NL" sz="1600" b="1" dirty="0" err="1">
+                <a:latin typeface="Courier New" panose="02070309020205020404" pitchFamily="49" charset="0"/>
+                <a:cs typeface="Courier New" panose="02070309020205020404" pitchFamily="49" charset="0"/>
+              </a:rPr>
+              <a:t>there</a:t>
+            </a:r>
+            <a:r>
+              <a:rPr lang="nl-NL" sz="1600" b="1" dirty="0">
+                <a:latin typeface="Courier New" panose="02070309020205020404" pitchFamily="49" charset="0"/>
+                <a:cs typeface="Courier New" panose="02070309020205020404" pitchFamily="49" charset="0"/>
+              </a:rPr>
+              <a:t>!&lt;/</a:t>
+            </a:r>
+            <a:r>
+              <a:rPr lang="nl-NL" sz="1600" b="1" dirty="0" err="1">
+                <a:latin typeface="Courier New" panose="02070309020205020404" pitchFamily="49" charset="0"/>
+                <a:cs typeface="Courier New" panose="02070309020205020404" pitchFamily="49" charset="0"/>
+              </a:rPr>
+              <a:t>title</a:t>
+            </a:r>
+            <a:r>
+              <a:rPr lang="nl-NL" sz="1600" b="1" dirty="0">
+                <a:latin typeface="Courier New" panose="02070309020205020404" pitchFamily="49" charset="0"/>
+                <a:cs typeface="Courier New" panose="02070309020205020404" pitchFamily="49" charset="0"/>
+              </a:rPr>
+              <a:t>&gt;</a:t>
+            </a:r>
+          </a:p>
+          <a:p>
+            <a:r>
+              <a:rPr lang="nl-NL" sz="1600" b="1" dirty="0">
+                <a:latin typeface="Courier New" panose="02070309020205020404" pitchFamily="49" charset="0"/>
+                <a:cs typeface="Courier New" panose="02070309020205020404" pitchFamily="49" charset="0"/>
+              </a:rPr>
+              <a:t>  &lt;</a:t>
+            </a:r>
+            <a:r>
+              <a:rPr lang="nl-NL" sz="1600" b="1" dirty="0" err="1">
+                <a:latin typeface="Courier New" panose="02070309020205020404" pitchFamily="49" charset="0"/>
+                <a:cs typeface="Courier New" panose="02070309020205020404" pitchFamily="49" charset="0"/>
+              </a:rPr>
+              <a:t>text</a:t>
+            </a:r>
+            <a:r>
+              <a:rPr lang="nl-NL" sz="1600" b="1" dirty="0">
+                <a:latin typeface="Courier New" panose="02070309020205020404" pitchFamily="49" charset="0"/>
+                <a:cs typeface="Courier New" panose="02070309020205020404" pitchFamily="49" charset="0"/>
+              </a:rPr>
+              <a:t>&gt; … &lt;/</a:t>
+            </a:r>
+            <a:r>
+              <a:rPr lang="nl-NL" sz="1600" b="1" dirty="0" err="1">
+                <a:latin typeface="Courier New" panose="02070309020205020404" pitchFamily="49" charset="0"/>
+                <a:cs typeface="Courier New" panose="02070309020205020404" pitchFamily="49" charset="0"/>
+              </a:rPr>
+              <a:t>text</a:t>
+            </a:r>
+            <a:r>
+              <a:rPr lang="nl-NL" sz="1600" b="1" dirty="0">
+                <a:latin typeface="Courier New" panose="02070309020205020404" pitchFamily="49" charset="0"/>
+                <a:cs typeface="Courier New" panose="02070309020205020404" pitchFamily="49" charset="0"/>
+              </a:rPr>
+              <a:t>&gt;</a:t>
+            </a:r>
+          </a:p>
+          <a:p>
+            <a:r>
+              <a:rPr lang="nl-NL" sz="1600" b="1" dirty="0">
+                <a:latin typeface="Courier New" panose="02070309020205020404" pitchFamily="49" charset="0"/>
+                <a:cs typeface="Courier New" panose="02070309020205020404" pitchFamily="49" charset="0"/>
+              </a:rPr>
+              <a:t>&lt;/</a:t>
+            </a:r>
+            <a:r>
+              <a:rPr lang="nl-NL" sz="1600" b="1" dirty="0" err="1">
+                <a:latin typeface="Courier New" panose="02070309020205020404" pitchFamily="49" charset="0"/>
+                <a:cs typeface="Courier New" panose="02070309020205020404" pitchFamily="49" charset="0"/>
+              </a:rPr>
+              <a:t>doc</a:t>
+            </a:r>
+            <a:r>
+              <a:rPr lang="nl-NL" sz="1600" b="1" dirty="0">
+                <a:latin typeface="Courier New" panose="02070309020205020404" pitchFamily="49" charset="0"/>
+                <a:cs typeface="Courier New" panose="02070309020205020404" pitchFamily="49" charset="0"/>
+              </a:rPr>
+              <a:t>&gt;</a:t>
+            </a:r>
+          </a:p>
+        </p:txBody>
+      </p:sp>
+      <p:sp>
+        <p:nvSpPr>
+          <p:cNvPr id="25" name="Rechthoek: afgeronde hoeken 3">
+            <a:extLst>
+              <a:ext uri="{FF2B5EF4-FFF2-40B4-BE49-F238E27FC236}">
+                <a16:creationId xmlns:a16="http://schemas.microsoft.com/office/drawing/2014/main" id="{35E35CA7-CA4D-4D28-B651-9321E7086341}"/>
+              </a:ext>
+            </a:extLst>
+          </p:cNvPr>
+          <p:cNvSpPr/>
+          <p:nvPr/>
+        </p:nvSpPr>
+        <p:spPr>
+          <a:xfrm>
+            <a:off x="6764142" y="645691"/>
+            <a:ext cx="1913389" cy="1080083"/>
+          </a:xfrm>
+          <a:prstGeom prst="roundRect">
+            <a:avLst/>
+          </a:prstGeom>
+        </p:spPr>
+        <p:style>
+          <a:lnRef idx="2">
+            <a:schemeClr val="accent1">
+              <a:shade val="50000"/>
+            </a:schemeClr>
+          </a:lnRef>
+          <a:fillRef idx="1">
+            <a:schemeClr val="accent1"/>
+          </a:fillRef>
+          <a:effectRef idx="0">
+            <a:schemeClr val="accent1"/>
+          </a:effectRef>
+          <a:fontRef idx="minor">
+            <a:schemeClr val="lt1"/>
+          </a:fontRef>
+        </p:style>
+        <p:txBody>
+          <a:bodyPr rtlCol="0" anchor="ctr"/>
+          <a:lstStyle/>
+          <a:p>
+            <a:pPr algn="ctr"/>
+            <a:r>
+              <a:rPr lang="en-US" sz="2000" dirty="0"/>
+              <a:t>wrap it in a &lt;title&gt;  element</a:t>
+            </a:r>
+          </a:p>
+        </p:txBody>
+      </p:sp>
+      <p:sp>
+        <p:nvSpPr>
+          <p:cNvPr id="26" name="Rechthoek: ezelsoor 17">
+            <a:extLst>
+              <a:ext uri="{FF2B5EF4-FFF2-40B4-BE49-F238E27FC236}">
+                <a16:creationId xmlns:a16="http://schemas.microsoft.com/office/drawing/2014/main" id="{25175C43-0F86-4661-9921-CF8C62055D17}"/>
+              </a:ext>
+            </a:extLst>
+          </p:cNvPr>
+          <p:cNvSpPr/>
+          <p:nvPr/>
+        </p:nvSpPr>
+        <p:spPr>
+          <a:xfrm>
+            <a:off x="4717967" y="1524152"/>
+            <a:ext cx="1076936" cy="828626"/>
+          </a:xfrm>
+          <a:prstGeom prst="foldedCorner">
+            <a:avLst/>
+          </a:prstGeom>
+          <a:solidFill>
+            <a:schemeClr val="accent4">
+              <a:lumMod val="40000"/>
+              <a:lumOff val="60000"/>
+            </a:schemeClr>
+          </a:solidFill>
+        </p:spPr>
+        <p:style>
+          <a:lnRef idx="2">
+            <a:schemeClr val="accent1">
+              <a:shade val="50000"/>
+            </a:schemeClr>
+          </a:lnRef>
+          <a:fillRef idx="1">
+            <a:schemeClr val="accent1"/>
+          </a:fillRef>
+          <a:effectRef idx="0">
+            <a:schemeClr val="accent1"/>
+          </a:effectRef>
+          <a:fontRef idx="minor">
+            <a:schemeClr val="lt1"/>
+          </a:fontRef>
+        </p:style>
+        <p:txBody>
+          <a:bodyPr rtlCol="0" anchor="ctr"/>
+          <a:lstStyle/>
+          <a:p>
+            <a:pPr algn="ctr"/>
+            <a:r>
+              <a:rPr lang="en-US" sz="1400" dirty="0">
+                <a:solidFill>
+                  <a:schemeClr val="tx1"/>
+                </a:solidFill>
+              </a:rPr>
+              <a:t>Title text: </a:t>
+            </a:r>
+            <a:br>
+              <a:rPr lang="en-US" sz="1400" dirty="0">
+                <a:solidFill>
+                  <a:schemeClr val="tx1"/>
+                </a:solidFill>
+              </a:rPr>
+            </a:br>
+            <a:r>
+              <a:rPr lang="en-US" sz="1400" dirty="0">
+                <a:solidFill>
+                  <a:schemeClr val="tx1"/>
+                </a:solidFill>
+              </a:rPr>
+              <a:t>Hi there!</a:t>
+            </a:r>
+          </a:p>
+        </p:txBody>
+      </p:sp>
+      <p:sp>
+        <p:nvSpPr>
+          <p:cNvPr id="27" name="Pijl: rechts 25">
+            <a:extLst>
+              <a:ext uri="{FF2B5EF4-FFF2-40B4-BE49-F238E27FC236}">
+                <a16:creationId xmlns:a16="http://schemas.microsoft.com/office/drawing/2014/main" id="{E017DBDA-5F8D-4DB3-9035-46D2E1B16E9C}"/>
+              </a:ext>
+            </a:extLst>
+          </p:cNvPr>
+          <p:cNvSpPr/>
+          <p:nvPr/>
+        </p:nvSpPr>
+        <p:spPr>
+          <a:xfrm>
+            <a:off x="5953329" y="927770"/>
+            <a:ext cx="985736" cy="515923"/>
+          </a:xfrm>
+          <a:prstGeom prst="rightArrow">
+            <a:avLst/>
+          </a:prstGeom>
+          <a:solidFill>
+            <a:schemeClr val="accent1">
+              <a:lumMod val="20000"/>
+              <a:lumOff val="80000"/>
+            </a:schemeClr>
+          </a:solidFill>
+        </p:spPr>
+        <p:style>
+          <a:lnRef idx="2">
+            <a:schemeClr val="accent1">
+              <a:shade val="50000"/>
+            </a:schemeClr>
+          </a:lnRef>
+          <a:fillRef idx="1">
+            <a:schemeClr val="accent1"/>
+          </a:fillRef>
+          <a:effectRef idx="0">
+            <a:schemeClr val="accent1"/>
+          </a:effectRef>
+          <a:fontRef idx="minor">
+            <a:schemeClr val="lt1"/>
+          </a:fontRef>
+        </p:style>
+        <p:txBody>
+          <a:bodyPr rot="0" spcFirstLastPara="0" vertOverflow="overflow" horzOverflow="overflow" vert="horz" wrap="square" lIns="91440" tIns="45720" rIns="91440" bIns="45720" numCol="1" spcCol="0" rtlCol="0" fromWordArt="0" anchor="ctr" anchorCtr="0" forceAA="0" compatLnSpc="1">
+            <a:prstTxWarp prst="textNoShape">
+              <a:avLst/>
+            </a:prstTxWarp>
+            <a:noAutofit/>
+          </a:bodyPr>
+          <a:lstStyle/>
+          <a:p>
+            <a:pPr algn="ctr"/>
+            <a:endParaRPr lang="en-US" dirty="0">
+              <a:solidFill>
+                <a:schemeClr val="tx1"/>
+              </a:solidFill>
+            </a:endParaRPr>
+          </a:p>
+        </p:txBody>
+      </p:sp>
+      <p:sp>
+        <p:nvSpPr>
+          <p:cNvPr id="28" name="Boog 20">
+            <a:extLst>
+              <a:ext uri="{FF2B5EF4-FFF2-40B4-BE49-F238E27FC236}">
+                <a16:creationId xmlns:a16="http://schemas.microsoft.com/office/drawing/2014/main" id="{0719E20B-61C7-45FE-955B-1E3EE1BA10B7}"/>
+              </a:ext>
+            </a:extLst>
+          </p:cNvPr>
+          <p:cNvSpPr/>
+          <p:nvPr/>
+        </p:nvSpPr>
+        <p:spPr>
+          <a:xfrm rot="18330535">
+            <a:off x="5188612" y="1116431"/>
+            <a:ext cx="822121" cy="794722"/>
+          </a:xfrm>
+          <a:prstGeom prst="arc">
+            <a:avLst>
+              <a:gd name="adj1" fmla="val 14279023"/>
+              <a:gd name="adj2" fmla="val 0"/>
+            </a:avLst>
+          </a:prstGeom>
+          <a:ln>
+            <a:tailEnd type="triangle" w="lg" len="med"/>
+          </a:ln>
+        </p:spPr>
+        <p:style>
+          <a:lnRef idx="1">
+            <a:schemeClr val="accent1"/>
+          </a:lnRef>
+          <a:fillRef idx="0">
+            <a:schemeClr val="accent1"/>
+          </a:fillRef>
+          <a:effectRef idx="0">
+            <a:schemeClr val="accent1"/>
+          </a:effectRef>
+          <a:fontRef idx="minor">
+            <a:schemeClr val="tx1"/>
+          </a:fontRef>
+        </p:style>
+        <p:txBody>
+          <a:bodyPr rtlCol="0" anchor="ctr"/>
+          <a:lstStyle/>
+          <a:p>
+            <a:pPr algn="ctr"/>
+            <a:endParaRPr lang="en-US"/>
+          </a:p>
+        </p:txBody>
+      </p:sp>
+      <p:sp>
+        <p:nvSpPr>
+          <p:cNvPr id="22" name="Pijl: rechts 2">
+            <a:extLst>
+              <a:ext uri="{FF2B5EF4-FFF2-40B4-BE49-F238E27FC236}">
+                <a16:creationId xmlns:a16="http://schemas.microsoft.com/office/drawing/2014/main" id="{6020A266-7CD7-4221-8832-0736B24F56F7}"/>
+              </a:ext>
+            </a:extLst>
+          </p:cNvPr>
+          <p:cNvSpPr/>
+          <p:nvPr/>
+        </p:nvSpPr>
+        <p:spPr>
+          <a:xfrm rot="5400000">
+            <a:off x="6985503" y="2063917"/>
+            <a:ext cx="1407385" cy="515923"/>
+          </a:xfrm>
+          <a:prstGeom prst="rightArrow">
+            <a:avLst/>
+          </a:prstGeom>
+          <a:solidFill>
+            <a:schemeClr val="accent1">
+              <a:lumMod val="20000"/>
+              <a:lumOff val="80000"/>
+            </a:schemeClr>
+          </a:solidFill>
+        </p:spPr>
+        <p:style>
+          <a:lnRef idx="2">
+            <a:schemeClr val="accent1">
+              <a:shade val="50000"/>
+            </a:schemeClr>
+          </a:lnRef>
+          <a:fillRef idx="1">
+            <a:schemeClr val="accent1"/>
+          </a:fillRef>
+          <a:effectRef idx="0">
+            <a:schemeClr val="accent1"/>
+          </a:effectRef>
+          <a:fontRef idx="minor">
+            <a:schemeClr val="lt1"/>
+          </a:fontRef>
+        </p:style>
+        <p:txBody>
+          <a:bodyPr rot="0" spcFirstLastPara="0" vertOverflow="overflow" horzOverflow="overflow" vert="horz" wrap="square" lIns="91440" tIns="45720" rIns="91440" bIns="45720" numCol="1" spcCol="0" rtlCol="0" fromWordArt="0" anchor="ctr" anchorCtr="0" forceAA="0" compatLnSpc="1">
+            <a:prstTxWarp prst="textNoShape">
+              <a:avLst/>
+            </a:prstTxWarp>
+            <a:noAutofit/>
+          </a:bodyPr>
+          <a:lstStyle/>
+          <a:p>
+            <a:pPr algn="ctr"/>
+            <a:r>
+              <a:rPr lang="en-US" dirty="0">
+                <a:solidFill>
+                  <a:schemeClr val="tx1"/>
+                </a:solidFill>
+              </a:rPr>
+              <a:t>insertion</a:t>
+            </a:r>
           </a:p>
         </p:txBody>
       </p:sp>
     </p:spTree>
     <p:extLst>
       <p:ext uri="{BB962C8B-B14F-4D97-AF65-F5344CB8AC3E}">
-        <p14:creationId xmlns:p14="http://schemas.microsoft.com/office/powerpoint/2010/main" val="2921563705"/>
+        <p14:creationId xmlns:p14="http://schemas.microsoft.com/office/powerpoint/2010/main" val="1520876205"/>
       </p:ext>
     </p:extLst>
   </p:cSld>
@@ -12421,6 +12587,945 @@
           <p:cNvPr id="2" name="Title 1">
             <a:extLst>
               <a:ext uri="{FF2B5EF4-FFF2-40B4-BE49-F238E27FC236}">
+                <a16:creationId xmlns:a16="http://schemas.microsoft.com/office/drawing/2014/main" id="{0110CAEE-C43B-458C-9DA5-5EFEB02CDED9}"/>
+              </a:ext>
+            </a:extLst>
+          </p:cNvPr>
+          <p:cNvSpPr>
+            <a:spLocks noGrp="1"/>
+          </p:cNvSpPr>
+          <p:nvPr>
+            <p:ph type="title"/>
+          </p:nvPr>
+        </p:nvSpPr>
+        <p:spPr>
+          <a:xfrm>
+            <a:off x="330404" y="335302"/>
+            <a:ext cx="11245850" cy="515923"/>
+          </a:xfrm>
+        </p:spPr>
+        <p:txBody>
+          <a:bodyPr>
+            <a:normAutofit fontScale="90000"/>
+          </a:bodyPr>
+          <a:lstStyle/>
+          <a:p>
+            <a:r>
+              <a:rPr lang="en-US" dirty="0"/>
+              <a:t>Example 5: </a:t>
+            </a:r>
+            <a:r>
+              <a:rPr lang="en-US" sz="2700" b="1" dirty="0">
+                <a:latin typeface="Courier New" panose="02070309020205020404" pitchFamily="49" charset="0"/>
+                <a:ea typeface="+mn-ea"/>
+                <a:cs typeface="Courier New" panose="02070309020205020404" pitchFamily="49" charset="0"/>
+              </a:rPr>
+              <a:t>markupuk-2020/101-A/example-5/example-5.xpl</a:t>
+            </a:r>
+            <a:br>
+              <a:rPr lang="en-GB" dirty="0"/>
+            </a:br>
+            <a:endParaRPr lang="en-GB" dirty="0"/>
+          </a:p>
+        </p:txBody>
+      </p:sp>
+      <p:sp>
+        <p:nvSpPr>
+          <p:cNvPr id="13" name="Rechthoek: afgeronde hoeken 3">
+            <a:extLst>
+              <a:ext uri="{FF2B5EF4-FFF2-40B4-BE49-F238E27FC236}">
+                <a16:creationId xmlns:a16="http://schemas.microsoft.com/office/drawing/2014/main" id="{F3A69C96-1CDC-4A30-9BAE-3231A9811031}"/>
+              </a:ext>
+            </a:extLst>
+          </p:cNvPr>
+          <p:cNvSpPr/>
+          <p:nvPr/>
+        </p:nvSpPr>
+        <p:spPr>
+          <a:xfrm>
+            <a:off x="9895455" y="2931537"/>
+            <a:ext cx="1913389" cy="1080083"/>
+          </a:xfrm>
+          <a:prstGeom prst="roundRect">
+            <a:avLst/>
+          </a:prstGeom>
+        </p:spPr>
+        <p:style>
+          <a:lnRef idx="2">
+            <a:schemeClr val="accent1">
+              <a:shade val="50000"/>
+            </a:schemeClr>
+          </a:lnRef>
+          <a:fillRef idx="1">
+            <a:schemeClr val="accent1"/>
+          </a:fillRef>
+          <a:effectRef idx="0">
+            <a:schemeClr val="accent1"/>
+          </a:effectRef>
+          <a:fontRef idx="minor">
+            <a:schemeClr val="lt1"/>
+          </a:fontRef>
+        </p:style>
+        <p:txBody>
+          <a:bodyPr rtlCol="0" anchor="ctr"/>
+          <a:lstStyle/>
+          <a:p>
+            <a:pPr algn="ctr"/>
+            <a:r>
+              <a:rPr lang="en-US" sz="2000" dirty="0"/>
+              <a:t>Add a root timestamp attribute </a:t>
+            </a:r>
+          </a:p>
+        </p:txBody>
+      </p:sp>
+      <p:sp>
+        <p:nvSpPr>
+          <p:cNvPr id="14" name="Pijl: rechts 25">
+            <a:extLst>
+              <a:ext uri="{FF2B5EF4-FFF2-40B4-BE49-F238E27FC236}">
+                <a16:creationId xmlns:a16="http://schemas.microsoft.com/office/drawing/2014/main" id="{D2A703A6-0688-4008-9A74-2E3C11C4BF6B}"/>
+              </a:ext>
+            </a:extLst>
+          </p:cNvPr>
+          <p:cNvSpPr/>
+          <p:nvPr/>
+        </p:nvSpPr>
+        <p:spPr>
+          <a:xfrm rot="5400000">
+            <a:off x="10110357" y="4509778"/>
+            <a:ext cx="1407385" cy="515923"/>
+          </a:xfrm>
+          <a:prstGeom prst="rightArrow">
+            <a:avLst/>
+          </a:prstGeom>
+          <a:solidFill>
+            <a:schemeClr val="accent1">
+              <a:lumMod val="20000"/>
+              <a:lumOff val="80000"/>
+            </a:schemeClr>
+          </a:solidFill>
+        </p:spPr>
+        <p:style>
+          <a:lnRef idx="2">
+            <a:schemeClr val="accent1">
+              <a:shade val="50000"/>
+            </a:schemeClr>
+          </a:lnRef>
+          <a:fillRef idx="1">
+            <a:schemeClr val="accent1"/>
+          </a:fillRef>
+          <a:effectRef idx="0">
+            <a:schemeClr val="accent1"/>
+          </a:effectRef>
+          <a:fontRef idx="minor">
+            <a:schemeClr val="lt1"/>
+          </a:fontRef>
+        </p:style>
+        <p:txBody>
+          <a:bodyPr rot="0" spcFirstLastPara="0" vertOverflow="overflow" horzOverflow="overflow" vert="horz" wrap="square" lIns="91440" tIns="45720" rIns="91440" bIns="45720" numCol="1" spcCol="0" rtlCol="0" fromWordArt="0" anchor="ctr" anchorCtr="0" forceAA="0" compatLnSpc="1">
+            <a:prstTxWarp prst="textNoShape">
+              <a:avLst/>
+            </a:prstTxWarp>
+            <a:noAutofit/>
+          </a:bodyPr>
+          <a:lstStyle/>
+          <a:p>
+            <a:pPr algn="ctr"/>
+            <a:r>
+              <a:rPr lang="en-US" dirty="0">
+                <a:solidFill>
+                  <a:schemeClr val="tx1"/>
+                </a:solidFill>
+              </a:rPr>
+              <a:t>result</a:t>
+            </a:r>
+          </a:p>
+        </p:txBody>
+      </p:sp>
+      <p:sp>
+        <p:nvSpPr>
+          <p:cNvPr id="15" name="Rechthoek: ezelsoor 34">
+            <a:extLst>
+              <a:ext uri="{FF2B5EF4-FFF2-40B4-BE49-F238E27FC236}">
+                <a16:creationId xmlns:a16="http://schemas.microsoft.com/office/drawing/2014/main" id="{744CC36F-75BB-452D-9278-ED12D6A57363}"/>
+              </a:ext>
+            </a:extLst>
+          </p:cNvPr>
+          <p:cNvSpPr/>
+          <p:nvPr/>
+        </p:nvSpPr>
+        <p:spPr>
+          <a:xfrm>
+            <a:off x="9212164" y="5421093"/>
+            <a:ext cx="1147481" cy="873129"/>
+          </a:xfrm>
+          <a:prstGeom prst="foldedCorner">
+            <a:avLst/>
+          </a:prstGeom>
+          <a:solidFill>
+            <a:schemeClr val="accent4">
+              <a:lumMod val="40000"/>
+              <a:lumOff val="60000"/>
+            </a:schemeClr>
+          </a:solidFill>
+        </p:spPr>
+        <p:style>
+          <a:lnRef idx="2">
+            <a:schemeClr val="accent1">
+              <a:shade val="50000"/>
+            </a:schemeClr>
+          </a:lnRef>
+          <a:fillRef idx="1">
+            <a:schemeClr val="accent1"/>
+          </a:fillRef>
+          <a:effectRef idx="0">
+            <a:schemeClr val="accent1"/>
+          </a:effectRef>
+          <a:fontRef idx="minor">
+            <a:schemeClr val="lt1"/>
+          </a:fontRef>
+        </p:style>
+        <p:txBody>
+          <a:bodyPr rtlCol="0" anchor="ctr"/>
+          <a:lstStyle/>
+          <a:p>
+            <a:pPr algn="ctr"/>
+            <a:r>
+              <a:rPr lang="en-US" sz="1400" dirty="0">
+                <a:solidFill>
+                  <a:schemeClr val="tx1"/>
+                </a:solidFill>
+              </a:rPr>
+              <a:t>Result document</a:t>
+            </a:r>
+          </a:p>
+        </p:txBody>
+      </p:sp>
+      <p:sp>
+        <p:nvSpPr>
+          <p:cNvPr id="16" name="Boog 37">
+            <a:extLst>
+              <a:ext uri="{FF2B5EF4-FFF2-40B4-BE49-F238E27FC236}">
+                <a16:creationId xmlns:a16="http://schemas.microsoft.com/office/drawing/2014/main" id="{57676AF8-CC8F-4162-9251-4F983629784C}"/>
+              </a:ext>
+            </a:extLst>
+          </p:cNvPr>
+          <p:cNvSpPr/>
+          <p:nvPr/>
+        </p:nvSpPr>
+        <p:spPr>
+          <a:xfrm flipV="1">
+            <a:off x="10081408" y="5121614"/>
+            <a:ext cx="725569" cy="828625"/>
+          </a:xfrm>
+          <a:prstGeom prst="arc">
+            <a:avLst/>
+          </a:prstGeom>
+          <a:ln>
+            <a:headEnd type="triangle" w="lg" len="med"/>
+          </a:ln>
+        </p:spPr>
+        <p:style>
+          <a:lnRef idx="1">
+            <a:schemeClr val="accent1"/>
+          </a:lnRef>
+          <a:fillRef idx="0">
+            <a:schemeClr val="accent1"/>
+          </a:fillRef>
+          <a:effectRef idx="0">
+            <a:schemeClr val="accent1"/>
+          </a:effectRef>
+          <a:fontRef idx="minor">
+            <a:schemeClr val="tx1"/>
+          </a:fontRef>
+        </p:style>
+        <p:txBody>
+          <a:bodyPr rtlCol="0" anchor="ctr"/>
+          <a:lstStyle/>
+          <a:p>
+            <a:pPr algn="ctr"/>
+            <a:endParaRPr lang="en-US"/>
+          </a:p>
+        </p:txBody>
+      </p:sp>
+      <p:sp>
+        <p:nvSpPr>
+          <p:cNvPr id="19" name="Rechthoek: afgeronde hoeken 3">
+            <a:extLst>
+              <a:ext uri="{FF2B5EF4-FFF2-40B4-BE49-F238E27FC236}">
+                <a16:creationId xmlns:a16="http://schemas.microsoft.com/office/drawing/2014/main" id="{4B487A46-9C96-4714-869F-2027BC1FFE4D}"/>
+              </a:ext>
+            </a:extLst>
+          </p:cNvPr>
+          <p:cNvSpPr/>
+          <p:nvPr/>
+        </p:nvSpPr>
+        <p:spPr>
+          <a:xfrm>
+            <a:off x="6703302" y="2931535"/>
+            <a:ext cx="1913389" cy="1080083"/>
+          </a:xfrm>
+          <a:prstGeom prst="roundRect">
+            <a:avLst/>
+          </a:prstGeom>
+        </p:spPr>
+        <p:style>
+          <a:lnRef idx="2">
+            <a:schemeClr val="accent1">
+              <a:shade val="50000"/>
+            </a:schemeClr>
+          </a:lnRef>
+          <a:fillRef idx="1">
+            <a:schemeClr val="accent1"/>
+          </a:fillRef>
+          <a:effectRef idx="0">
+            <a:schemeClr val="accent1"/>
+          </a:effectRef>
+          <a:fontRef idx="minor">
+            <a:schemeClr val="lt1"/>
+          </a:fontRef>
+        </p:style>
+        <p:txBody>
+          <a:bodyPr rtlCol="0" anchor="ctr"/>
+          <a:lstStyle/>
+          <a:p>
+            <a:pPr algn="ctr"/>
+            <a:r>
+              <a:rPr lang="en-US" sz="2000" dirty="0"/>
+              <a:t>insert the &lt;author&gt; element</a:t>
+            </a:r>
+          </a:p>
+        </p:txBody>
+      </p:sp>
+      <p:sp>
+        <p:nvSpPr>
+          <p:cNvPr id="21" name="Pijl: rechts 25">
+            <a:extLst>
+              <a:ext uri="{FF2B5EF4-FFF2-40B4-BE49-F238E27FC236}">
+                <a16:creationId xmlns:a16="http://schemas.microsoft.com/office/drawing/2014/main" id="{D2AF38FD-9DB8-49A1-9EEA-5CACEB168E34}"/>
+              </a:ext>
+            </a:extLst>
+          </p:cNvPr>
+          <p:cNvSpPr/>
+          <p:nvPr/>
+        </p:nvSpPr>
+        <p:spPr>
+          <a:xfrm>
+            <a:off x="8552381" y="3213613"/>
+            <a:ext cx="1407385" cy="515923"/>
+          </a:xfrm>
+          <a:prstGeom prst="rightArrow">
+            <a:avLst/>
+          </a:prstGeom>
+          <a:solidFill>
+            <a:schemeClr val="accent1">
+              <a:lumMod val="20000"/>
+              <a:lumOff val="80000"/>
+            </a:schemeClr>
+          </a:solidFill>
+        </p:spPr>
+        <p:style>
+          <a:lnRef idx="2">
+            <a:schemeClr val="accent1">
+              <a:shade val="50000"/>
+            </a:schemeClr>
+          </a:lnRef>
+          <a:fillRef idx="1">
+            <a:schemeClr val="accent1"/>
+          </a:fillRef>
+          <a:effectRef idx="0">
+            <a:schemeClr val="accent1"/>
+          </a:effectRef>
+          <a:fontRef idx="minor">
+            <a:schemeClr val="lt1"/>
+          </a:fontRef>
+        </p:style>
+        <p:txBody>
+          <a:bodyPr rot="0" spcFirstLastPara="0" vertOverflow="overflow" horzOverflow="overflow" vert="horz" wrap="square" lIns="91440" tIns="45720" rIns="91440" bIns="45720" numCol="1" spcCol="0" rtlCol="0" fromWordArt="0" anchor="ctr" anchorCtr="0" forceAA="0" compatLnSpc="1">
+            <a:prstTxWarp prst="textNoShape">
+              <a:avLst/>
+            </a:prstTxWarp>
+            <a:noAutofit/>
+          </a:bodyPr>
+          <a:lstStyle/>
+          <a:p>
+            <a:pPr algn="ctr"/>
+            <a:endParaRPr lang="en-US" dirty="0">
+              <a:solidFill>
+                <a:schemeClr val="tx1"/>
+              </a:solidFill>
+            </a:endParaRPr>
+          </a:p>
+        </p:txBody>
+      </p:sp>
+      <p:sp>
+        <p:nvSpPr>
+          <p:cNvPr id="24" name="TextBox 23">
+            <a:extLst>
+              <a:ext uri="{FF2B5EF4-FFF2-40B4-BE49-F238E27FC236}">
+                <a16:creationId xmlns:a16="http://schemas.microsoft.com/office/drawing/2014/main" id="{E62BEDB6-9D68-4499-975D-D859D110C749}"/>
+              </a:ext>
+            </a:extLst>
+          </p:cNvPr>
+          <p:cNvSpPr txBox="1"/>
+          <p:nvPr/>
+        </p:nvSpPr>
+        <p:spPr>
+          <a:xfrm>
+            <a:off x="4670488" y="5326522"/>
+            <a:ext cx="4184844" cy="1323439"/>
+          </a:xfrm>
+          <a:prstGeom prst="rect">
+            <a:avLst/>
+          </a:prstGeom>
+          <a:solidFill>
+            <a:schemeClr val="bg1">
+              <a:lumMod val="85000"/>
+            </a:schemeClr>
+          </a:solidFill>
+        </p:spPr>
+        <p:txBody>
+          <a:bodyPr wrap="square" rtlCol="0">
+            <a:spAutoFit/>
+          </a:bodyPr>
+          <a:lstStyle/>
+          <a:p>
+            <a:r>
+              <a:rPr lang="nl-NL" sz="1600" b="1" dirty="0">
+                <a:latin typeface="Courier New" panose="02070309020205020404" pitchFamily="49" charset="0"/>
+                <a:cs typeface="Courier New" panose="02070309020205020404" pitchFamily="49" charset="0"/>
+              </a:rPr>
+              <a:t>&lt;</a:t>
+            </a:r>
+            <a:r>
+              <a:rPr lang="nl-NL" sz="1600" b="1" dirty="0" err="1">
+                <a:latin typeface="Courier New" panose="02070309020205020404" pitchFamily="49" charset="0"/>
+                <a:cs typeface="Courier New" panose="02070309020205020404" pitchFamily="49" charset="0"/>
+              </a:rPr>
+              <a:t>doc</a:t>
+            </a:r>
+            <a:r>
+              <a:rPr lang="nl-NL" sz="1600" b="1" dirty="0">
+                <a:latin typeface="Courier New" panose="02070309020205020404" pitchFamily="49" charset="0"/>
+                <a:cs typeface="Courier New" panose="02070309020205020404" pitchFamily="49" charset="0"/>
+              </a:rPr>
+              <a:t> timestamp=“…”&gt;</a:t>
+            </a:r>
+          </a:p>
+          <a:p>
+            <a:r>
+              <a:rPr lang="nl-NL" sz="1600" b="1" dirty="0">
+                <a:latin typeface="Courier New" panose="02070309020205020404" pitchFamily="49" charset="0"/>
+                <a:cs typeface="Courier New" panose="02070309020205020404" pitchFamily="49" charset="0"/>
+              </a:rPr>
+              <a:t>  &lt;</a:t>
+            </a:r>
+            <a:r>
+              <a:rPr lang="nl-NL" sz="1600" b="1" dirty="0" err="1">
+                <a:latin typeface="Courier New" panose="02070309020205020404" pitchFamily="49" charset="0"/>
+                <a:cs typeface="Courier New" panose="02070309020205020404" pitchFamily="49" charset="0"/>
+              </a:rPr>
+              <a:t>author</a:t>
+            </a:r>
+            <a:r>
+              <a:rPr lang="nl-NL" sz="1600" b="1" dirty="0">
+                <a:latin typeface="Courier New" panose="02070309020205020404" pitchFamily="49" charset="0"/>
+                <a:cs typeface="Courier New" panose="02070309020205020404" pitchFamily="49" charset="0"/>
+              </a:rPr>
+              <a:t>&gt; … &lt;/</a:t>
+            </a:r>
+            <a:r>
+              <a:rPr lang="nl-NL" sz="1600" b="1" dirty="0" err="1">
+                <a:latin typeface="Courier New" panose="02070309020205020404" pitchFamily="49" charset="0"/>
+                <a:cs typeface="Courier New" panose="02070309020205020404" pitchFamily="49" charset="0"/>
+              </a:rPr>
+              <a:t>author</a:t>
+            </a:r>
+            <a:r>
+              <a:rPr lang="nl-NL" sz="1600" b="1" dirty="0">
+                <a:latin typeface="Courier New" panose="02070309020205020404" pitchFamily="49" charset="0"/>
+                <a:cs typeface="Courier New" panose="02070309020205020404" pitchFamily="49" charset="0"/>
+              </a:rPr>
+              <a:t>&gt;</a:t>
+            </a:r>
+          </a:p>
+          <a:p>
+            <a:r>
+              <a:rPr lang="nl-NL" sz="1600" b="1" dirty="0">
+                <a:latin typeface="Courier New" panose="02070309020205020404" pitchFamily="49" charset="0"/>
+                <a:cs typeface="Courier New" panose="02070309020205020404" pitchFamily="49" charset="0"/>
+              </a:rPr>
+              <a:t>  &lt;</a:t>
+            </a:r>
+            <a:r>
+              <a:rPr lang="nl-NL" sz="1600" b="1" dirty="0" err="1">
+                <a:latin typeface="Courier New" panose="02070309020205020404" pitchFamily="49" charset="0"/>
+                <a:cs typeface="Courier New" panose="02070309020205020404" pitchFamily="49" charset="0"/>
+              </a:rPr>
+              <a:t>title</a:t>
+            </a:r>
+            <a:r>
+              <a:rPr lang="nl-NL" sz="1600" b="1" dirty="0">
+                <a:latin typeface="Courier New" panose="02070309020205020404" pitchFamily="49" charset="0"/>
+                <a:cs typeface="Courier New" panose="02070309020205020404" pitchFamily="49" charset="0"/>
+              </a:rPr>
+              <a:t>&gt;Hi </a:t>
+            </a:r>
+            <a:r>
+              <a:rPr lang="nl-NL" sz="1600" b="1" dirty="0" err="1">
+                <a:latin typeface="Courier New" panose="02070309020205020404" pitchFamily="49" charset="0"/>
+                <a:cs typeface="Courier New" panose="02070309020205020404" pitchFamily="49" charset="0"/>
+              </a:rPr>
+              <a:t>there</a:t>
+            </a:r>
+            <a:r>
+              <a:rPr lang="nl-NL" sz="1600" b="1" dirty="0">
+                <a:latin typeface="Courier New" panose="02070309020205020404" pitchFamily="49" charset="0"/>
+                <a:cs typeface="Courier New" panose="02070309020205020404" pitchFamily="49" charset="0"/>
+              </a:rPr>
+              <a:t>!&lt;/</a:t>
+            </a:r>
+            <a:r>
+              <a:rPr lang="nl-NL" sz="1600" b="1" dirty="0" err="1">
+                <a:latin typeface="Courier New" panose="02070309020205020404" pitchFamily="49" charset="0"/>
+                <a:cs typeface="Courier New" panose="02070309020205020404" pitchFamily="49" charset="0"/>
+              </a:rPr>
+              <a:t>title</a:t>
+            </a:r>
+            <a:r>
+              <a:rPr lang="nl-NL" sz="1600" b="1" dirty="0">
+                <a:latin typeface="Courier New" panose="02070309020205020404" pitchFamily="49" charset="0"/>
+                <a:cs typeface="Courier New" panose="02070309020205020404" pitchFamily="49" charset="0"/>
+              </a:rPr>
+              <a:t>&gt;</a:t>
+            </a:r>
+          </a:p>
+          <a:p>
+            <a:r>
+              <a:rPr lang="nl-NL" sz="1600" b="1" dirty="0">
+                <a:latin typeface="Courier New" panose="02070309020205020404" pitchFamily="49" charset="0"/>
+                <a:cs typeface="Courier New" panose="02070309020205020404" pitchFamily="49" charset="0"/>
+              </a:rPr>
+              <a:t>  &lt;</a:t>
+            </a:r>
+            <a:r>
+              <a:rPr lang="nl-NL" sz="1600" b="1" dirty="0" err="1">
+                <a:latin typeface="Courier New" panose="02070309020205020404" pitchFamily="49" charset="0"/>
+                <a:cs typeface="Courier New" panose="02070309020205020404" pitchFamily="49" charset="0"/>
+              </a:rPr>
+              <a:t>text</a:t>
+            </a:r>
+            <a:r>
+              <a:rPr lang="nl-NL" sz="1600" b="1" dirty="0">
+                <a:latin typeface="Courier New" panose="02070309020205020404" pitchFamily="49" charset="0"/>
+                <a:cs typeface="Courier New" panose="02070309020205020404" pitchFamily="49" charset="0"/>
+              </a:rPr>
+              <a:t>&gt; … &lt;/</a:t>
+            </a:r>
+            <a:r>
+              <a:rPr lang="nl-NL" sz="1600" b="1" dirty="0" err="1">
+                <a:latin typeface="Courier New" panose="02070309020205020404" pitchFamily="49" charset="0"/>
+                <a:cs typeface="Courier New" panose="02070309020205020404" pitchFamily="49" charset="0"/>
+              </a:rPr>
+              <a:t>text</a:t>
+            </a:r>
+            <a:r>
+              <a:rPr lang="nl-NL" sz="1600" b="1" dirty="0">
+                <a:latin typeface="Courier New" panose="02070309020205020404" pitchFamily="49" charset="0"/>
+                <a:cs typeface="Courier New" panose="02070309020205020404" pitchFamily="49" charset="0"/>
+              </a:rPr>
+              <a:t>&gt;</a:t>
+            </a:r>
+          </a:p>
+          <a:p>
+            <a:r>
+              <a:rPr lang="nl-NL" sz="1600" b="1" dirty="0">
+                <a:latin typeface="Courier New" panose="02070309020205020404" pitchFamily="49" charset="0"/>
+                <a:cs typeface="Courier New" panose="02070309020205020404" pitchFamily="49" charset="0"/>
+              </a:rPr>
+              <a:t>&lt;/</a:t>
+            </a:r>
+            <a:r>
+              <a:rPr lang="nl-NL" sz="1600" b="1" dirty="0" err="1">
+                <a:latin typeface="Courier New" panose="02070309020205020404" pitchFamily="49" charset="0"/>
+                <a:cs typeface="Courier New" panose="02070309020205020404" pitchFamily="49" charset="0"/>
+              </a:rPr>
+              <a:t>doc</a:t>
+            </a:r>
+            <a:r>
+              <a:rPr lang="nl-NL" sz="1600" b="1" dirty="0">
+                <a:latin typeface="Courier New" panose="02070309020205020404" pitchFamily="49" charset="0"/>
+                <a:cs typeface="Courier New" panose="02070309020205020404" pitchFamily="49" charset="0"/>
+              </a:rPr>
+              <a:t>&gt;</a:t>
+            </a:r>
+          </a:p>
+        </p:txBody>
+      </p:sp>
+      <p:sp>
+        <p:nvSpPr>
+          <p:cNvPr id="25" name="Rechthoek: afgeronde hoeken 3">
+            <a:extLst>
+              <a:ext uri="{FF2B5EF4-FFF2-40B4-BE49-F238E27FC236}">
+                <a16:creationId xmlns:a16="http://schemas.microsoft.com/office/drawing/2014/main" id="{35E35CA7-CA4D-4D28-B651-9321E7086341}"/>
+              </a:ext>
+            </a:extLst>
+          </p:cNvPr>
+          <p:cNvSpPr/>
+          <p:nvPr/>
+        </p:nvSpPr>
+        <p:spPr>
+          <a:xfrm>
+            <a:off x="6764142" y="645691"/>
+            <a:ext cx="1913389" cy="1080083"/>
+          </a:xfrm>
+          <a:prstGeom prst="roundRect">
+            <a:avLst/>
+          </a:prstGeom>
+          <a:solidFill>
+            <a:schemeClr val="accent1">
+              <a:lumMod val="60000"/>
+              <a:lumOff val="40000"/>
+            </a:schemeClr>
+          </a:solidFill>
+        </p:spPr>
+        <p:style>
+          <a:lnRef idx="2">
+            <a:schemeClr val="accent1">
+              <a:shade val="50000"/>
+            </a:schemeClr>
+          </a:lnRef>
+          <a:fillRef idx="1">
+            <a:schemeClr val="accent1"/>
+          </a:fillRef>
+          <a:effectRef idx="0">
+            <a:schemeClr val="accent1"/>
+          </a:effectRef>
+          <a:fontRef idx="minor">
+            <a:schemeClr val="lt1"/>
+          </a:fontRef>
+        </p:style>
+        <p:txBody>
+          <a:bodyPr rtlCol="0" anchor="ctr"/>
+          <a:lstStyle/>
+          <a:p>
+            <a:pPr algn="ctr"/>
+            <a:r>
+              <a:rPr lang="en-US" sz="2000" dirty="0"/>
+              <a:t>wrap in an &lt;author&gt;  element</a:t>
+            </a:r>
+          </a:p>
+        </p:txBody>
+      </p:sp>
+      <p:sp>
+        <p:nvSpPr>
+          <p:cNvPr id="27" name="Pijl: rechts 25">
+            <a:extLst>
+              <a:ext uri="{FF2B5EF4-FFF2-40B4-BE49-F238E27FC236}">
+                <a16:creationId xmlns:a16="http://schemas.microsoft.com/office/drawing/2014/main" id="{E017DBDA-5F8D-4DB3-9035-46D2E1B16E9C}"/>
+              </a:ext>
+            </a:extLst>
+          </p:cNvPr>
+          <p:cNvSpPr/>
+          <p:nvPr/>
+        </p:nvSpPr>
+        <p:spPr>
+          <a:xfrm>
+            <a:off x="5953329" y="927770"/>
+            <a:ext cx="985736" cy="515923"/>
+          </a:xfrm>
+          <a:prstGeom prst="rightArrow">
+            <a:avLst/>
+          </a:prstGeom>
+          <a:solidFill>
+            <a:schemeClr val="accent1">
+              <a:lumMod val="20000"/>
+              <a:lumOff val="80000"/>
+            </a:schemeClr>
+          </a:solidFill>
+        </p:spPr>
+        <p:style>
+          <a:lnRef idx="2">
+            <a:schemeClr val="accent1">
+              <a:shade val="50000"/>
+            </a:schemeClr>
+          </a:lnRef>
+          <a:fillRef idx="1">
+            <a:schemeClr val="accent1"/>
+          </a:fillRef>
+          <a:effectRef idx="0">
+            <a:schemeClr val="accent1"/>
+          </a:effectRef>
+          <a:fontRef idx="minor">
+            <a:schemeClr val="lt1"/>
+          </a:fontRef>
+        </p:style>
+        <p:txBody>
+          <a:bodyPr rot="0" spcFirstLastPara="0" vertOverflow="overflow" horzOverflow="overflow" vert="horz" wrap="square" lIns="91440" tIns="45720" rIns="91440" bIns="45720" numCol="1" spcCol="0" rtlCol="0" fromWordArt="0" anchor="ctr" anchorCtr="0" forceAA="0" compatLnSpc="1">
+            <a:prstTxWarp prst="textNoShape">
+              <a:avLst/>
+            </a:prstTxWarp>
+            <a:noAutofit/>
+          </a:bodyPr>
+          <a:lstStyle/>
+          <a:p>
+            <a:pPr algn="ctr"/>
+            <a:endParaRPr lang="en-US" dirty="0">
+              <a:solidFill>
+                <a:schemeClr val="tx1"/>
+              </a:solidFill>
+            </a:endParaRPr>
+          </a:p>
+        </p:txBody>
+      </p:sp>
+      <p:sp>
+        <p:nvSpPr>
+          <p:cNvPr id="22" name="Pijl: rechts 2">
+            <a:extLst>
+              <a:ext uri="{FF2B5EF4-FFF2-40B4-BE49-F238E27FC236}">
+                <a16:creationId xmlns:a16="http://schemas.microsoft.com/office/drawing/2014/main" id="{6020A266-7CD7-4221-8832-0736B24F56F7}"/>
+              </a:ext>
+            </a:extLst>
+          </p:cNvPr>
+          <p:cNvSpPr/>
+          <p:nvPr/>
+        </p:nvSpPr>
+        <p:spPr>
+          <a:xfrm rot="5400000">
+            <a:off x="6985503" y="2063917"/>
+            <a:ext cx="1407385" cy="515923"/>
+          </a:xfrm>
+          <a:prstGeom prst="rightArrow">
+            <a:avLst/>
+          </a:prstGeom>
+          <a:solidFill>
+            <a:schemeClr val="accent1">
+              <a:lumMod val="20000"/>
+              <a:lumOff val="80000"/>
+            </a:schemeClr>
+          </a:solidFill>
+        </p:spPr>
+        <p:style>
+          <a:lnRef idx="2">
+            <a:schemeClr val="accent1">
+              <a:shade val="50000"/>
+            </a:schemeClr>
+          </a:lnRef>
+          <a:fillRef idx="1">
+            <a:schemeClr val="accent1"/>
+          </a:fillRef>
+          <a:effectRef idx="0">
+            <a:schemeClr val="accent1"/>
+          </a:effectRef>
+          <a:fontRef idx="minor">
+            <a:schemeClr val="lt1"/>
+          </a:fontRef>
+        </p:style>
+        <p:txBody>
+          <a:bodyPr rot="0" spcFirstLastPara="0" vertOverflow="overflow" horzOverflow="overflow" vert="horz" wrap="square" lIns="91440" tIns="45720" rIns="91440" bIns="45720" numCol="1" spcCol="0" rtlCol="0" fromWordArt="0" anchor="ctr" anchorCtr="0" forceAA="0" compatLnSpc="1">
+            <a:prstTxWarp prst="textNoShape">
+              <a:avLst/>
+            </a:prstTxWarp>
+            <a:noAutofit/>
+          </a:bodyPr>
+          <a:lstStyle/>
+          <a:p>
+            <a:pPr algn="ctr"/>
+            <a:r>
+              <a:rPr lang="en-US" dirty="0">
+                <a:solidFill>
+                  <a:schemeClr val="tx1"/>
+                </a:solidFill>
+              </a:rPr>
+              <a:t>insertion</a:t>
+            </a:r>
+          </a:p>
+        </p:txBody>
+      </p:sp>
+      <p:sp>
+        <p:nvSpPr>
+          <p:cNvPr id="3" name="TextBox 2">
+            <a:extLst>
+              <a:ext uri="{FF2B5EF4-FFF2-40B4-BE49-F238E27FC236}">
+                <a16:creationId xmlns:a16="http://schemas.microsoft.com/office/drawing/2014/main" id="{557A802A-6DD9-4CB3-9F91-6F83208890AD}"/>
+              </a:ext>
+            </a:extLst>
+          </p:cNvPr>
+          <p:cNvSpPr txBox="1"/>
+          <p:nvPr/>
+        </p:nvSpPr>
+        <p:spPr>
+          <a:xfrm>
+            <a:off x="3048460" y="1001065"/>
+            <a:ext cx="2814363" cy="677108"/>
+          </a:xfrm>
+          <a:prstGeom prst="rect">
+            <a:avLst/>
+          </a:prstGeom>
+          <a:noFill/>
+        </p:spPr>
+        <p:txBody>
+          <a:bodyPr wrap="square" rtlCol="0">
+            <a:spAutoFit/>
+          </a:bodyPr>
+          <a:lstStyle/>
+          <a:p>
+            <a:pPr algn="r"/>
+            <a:r>
+              <a:rPr lang="en-US" dirty="0"/>
+              <a:t>Use the value of the  </a:t>
+            </a:r>
+            <a:r>
+              <a:rPr lang="en-US" sz="2000" b="1" dirty="0">
+                <a:latin typeface="Courier New" panose="02070309020205020404" pitchFamily="49" charset="0"/>
+                <a:cs typeface="Courier New" panose="02070309020205020404" pitchFamily="49" charset="0"/>
+              </a:rPr>
+              <a:t>author</a:t>
+            </a:r>
+            <a:r>
+              <a:rPr lang="en-US" dirty="0"/>
+              <a:t> option</a:t>
+            </a:r>
+            <a:endParaRPr lang="en-GB" dirty="0"/>
+          </a:p>
+        </p:txBody>
+      </p:sp>
+      <p:sp>
+        <p:nvSpPr>
+          <p:cNvPr id="4" name="Arrow: Striped Right 3">
+            <a:extLst>
+              <a:ext uri="{FF2B5EF4-FFF2-40B4-BE49-F238E27FC236}">
+                <a16:creationId xmlns:a16="http://schemas.microsoft.com/office/drawing/2014/main" id="{B95DEE16-4E69-46F2-9871-EFCC33374C8F}"/>
+              </a:ext>
+            </a:extLst>
+          </p:cNvPr>
+          <p:cNvSpPr/>
+          <p:nvPr/>
+        </p:nvSpPr>
+        <p:spPr>
+          <a:xfrm>
+            <a:off x="4634778" y="3266334"/>
+            <a:ext cx="2185481" cy="437502"/>
+          </a:xfrm>
+          <a:prstGeom prst="stripedRightArrow">
+            <a:avLst>
+              <a:gd name="adj1" fmla="val 52964"/>
+              <a:gd name="adj2" fmla="val 50000"/>
+            </a:avLst>
+          </a:prstGeom>
+          <a:solidFill>
+            <a:schemeClr val="accent1">
+              <a:lumMod val="20000"/>
+              <a:lumOff val="80000"/>
+            </a:schemeClr>
+          </a:solidFill>
+        </p:spPr>
+        <p:style>
+          <a:lnRef idx="2">
+            <a:schemeClr val="accent1">
+              <a:shade val="50000"/>
+            </a:schemeClr>
+          </a:lnRef>
+          <a:fillRef idx="1">
+            <a:schemeClr val="accent1"/>
+          </a:fillRef>
+          <a:effectRef idx="0">
+            <a:schemeClr val="accent1"/>
+          </a:effectRef>
+          <a:fontRef idx="minor">
+            <a:schemeClr val="lt1"/>
+          </a:fontRef>
+        </p:style>
+        <p:txBody>
+          <a:bodyPr rot="0" spcFirstLastPara="0" vertOverflow="overflow" horzOverflow="overflow" vert="horz" wrap="square" lIns="91440" tIns="45720" rIns="91440" bIns="45720" numCol="1" spcCol="0" rtlCol="0" fromWordArt="0" anchor="ctr" anchorCtr="0" forceAA="0" compatLnSpc="1">
+            <a:prstTxWarp prst="textNoShape">
+              <a:avLst/>
+            </a:prstTxWarp>
+            <a:noAutofit/>
+          </a:bodyPr>
+          <a:lstStyle/>
+          <a:p>
+            <a:pPr algn="ctr"/>
+            <a:endParaRPr lang="en-GB">
+              <a:solidFill>
+                <a:schemeClr val="tx1"/>
+              </a:solidFill>
+            </a:endParaRPr>
+          </a:p>
+        </p:txBody>
+      </p:sp>
+      <p:sp>
+        <p:nvSpPr>
+          <p:cNvPr id="5" name="TextBox 4">
+            <a:extLst>
+              <a:ext uri="{FF2B5EF4-FFF2-40B4-BE49-F238E27FC236}">
+                <a16:creationId xmlns:a16="http://schemas.microsoft.com/office/drawing/2014/main" id="{1AAD909C-0525-438D-99D8-8DF3FF2A5EF7}"/>
+              </a:ext>
+            </a:extLst>
+          </p:cNvPr>
+          <p:cNvSpPr txBox="1"/>
+          <p:nvPr/>
+        </p:nvSpPr>
+        <p:spPr>
+          <a:xfrm>
+            <a:off x="2653691" y="3119061"/>
+            <a:ext cx="1893651" cy="584775"/>
+          </a:xfrm>
+          <a:prstGeom prst="rect">
+            <a:avLst/>
+          </a:prstGeom>
+          <a:noFill/>
+        </p:spPr>
+        <p:txBody>
+          <a:bodyPr wrap="square" rtlCol="0">
+            <a:spAutoFit/>
+          </a:bodyPr>
+          <a:lstStyle/>
+          <a:p>
+            <a:pPr algn="r"/>
+            <a:r>
+              <a:rPr lang="en-US" sz="3200" b="1" dirty="0"/>
+              <a:t>…</a:t>
+            </a:r>
+            <a:endParaRPr lang="en-GB" sz="3200" b="1" dirty="0"/>
+          </a:p>
+        </p:txBody>
+      </p:sp>
+    </p:spTree>
+    <p:extLst>
+      <p:ext uri="{BB962C8B-B14F-4D97-AF65-F5344CB8AC3E}">
+        <p14:creationId xmlns:p14="http://schemas.microsoft.com/office/powerpoint/2010/main" val="2921563705"/>
+      </p:ext>
+    </p:extLst>
+  </p:cSld>
+  <p:clrMapOvr>
+    <a:masterClrMapping/>
+  </p:clrMapOvr>
+</p:sld>
+</file>
+
+<file path=ppt/slides/slide19.xml><?xml version="1.0" encoding="utf-8"?>
+<p:sld xmlns:a="http://schemas.openxmlformats.org/drawingml/2006/main" xmlns:r="http://schemas.openxmlformats.org/officeDocument/2006/relationships" xmlns:p="http://schemas.openxmlformats.org/presentationml/2006/main">
+  <p:cSld>
+    <p:spTree>
+      <p:nvGrpSpPr>
+        <p:cNvPr id="1" name=""/>
+        <p:cNvGrpSpPr/>
+        <p:nvPr/>
+      </p:nvGrpSpPr>
+      <p:grpSpPr>
+        <a:xfrm>
+          <a:off x="0" y="0"/>
+          <a:ext cx="0" cy="0"/>
+          <a:chOff x="0" y="0"/>
+          <a:chExt cx="0" cy="0"/>
+        </a:xfrm>
+      </p:grpSpPr>
+      <p:sp>
+        <p:nvSpPr>
+          <p:cNvPr id="2" name="Title 1">
+            <a:extLst>
+              <a:ext uri="{FF2B5EF4-FFF2-40B4-BE49-F238E27FC236}">
                 <a16:creationId xmlns:a16="http://schemas.microsoft.com/office/drawing/2014/main" id="{E1A291CF-5B52-4363-8617-5B975E8B14C2}"/>
               </a:ext>
             </a:extLst>
@@ -12715,7 +13820,268 @@
 </p:sld>
 </file>
 
-<file path=ppt/slides/slide19.xml><?xml version="1.0" encoding="utf-8"?>
+<file path=ppt/slides/slide2.xml><?xml version="1.0" encoding="utf-8"?>
+<p:sld xmlns:a="http://schemas.openxmlformats.org/drawingml/2006/main" xmlns:r="http://schemas.openxmlformats.org/officeDocument/2006/relationships" xmlns:p="http://schemas.openxmlformats.org/presentationml/2006/main">
+  <p:cSld>
+    <p:spTree>
+      <p:nvGrpSpPr>
+        <p:cNvPr id="1" name=""/>
+        <p:cNvGrpSpPr/>
+        <p:nvPr/>
+      </p:nvGrpSpPr>
+      <p:grpSpPr>
+        <a:xfrm>
+          <a:off x="0" y="0"/>
+          <a:ext cx="0" cy="0"/>
+          <a:chOff x="0" y="0"/>
+          <a:chExt cx="0" cy="0"/>
+        </a:xfrm>
+      </p:grpSpPr>
+      <p:sp>
+        <p:nvSpPr>
+          <p:cNvPr id="2" name="Title 1">
+            <a:extLst>
+              <a:ext uri="{FF2B5EF4-FFF2-40B4-BE49-F238E27FC236}">
+                <a16:creationId xmlns:a16="http://schemas.microsoft.com/office/drawing/2014/main" id="{9C7D9E39-AC31-4065-84F2-01C2DA93A3CD}"/>
+              </a:ext>
+            </a:extLst>
+          </p:cNvPr>
+          <p:cNvSpPr>
+            <a:spLocks noGrp="1"/>
+          </p:cNvSpPr>
+          <p:nvPr>
+            <p:ph type="title"/>
+          </p:nvPr>
+        </p:nvSpPr>
+        <p:spPr>
+          <a:xfrm>
+            <a:off x="561109" y="243732"/>
+            <a:ext cx="10515600" cy="948902"/>
+          </a:xfrm>
+        </p:spPr>
+        <p:txBody>
+          <a:bodyPr/>
+          <a:lstStyle/>
+          <a:p>
+            <a:r>
+              <a:rPr lang="en-US" b="1" dirty="0"/>
+              <a:t>Who Am I?</a:t>
+            </a:r>
+            <a:endParaRPr lang="en-NL" b="1" dirty="0"/>
+          </a:p>
+        </p:txBody>
+      </p:sp>
+      <p:sp>
+        <p:nvSpPr>
+          <p:cNvPr id="3" name="Content Placeholder 2">
+            <a:extLst>
+              <a:ext uri="{FF2B5EF4-FFF2-40B4-BE49-F238E27FC236}">
+                <a16:creationId xmlns:a16="http://schemas.microsoft.com/office/drawing/2014/main" id="{110338D2-8565-4AF9-91CE-CD583FB0EBFE}"/>
+              </a:ext>
+            </a:extLst>
+          </p:cNvPr>
+          <p:cNvSpPr>
+            <a:spLocks noGrp="1"/>
+          </p:cNvSpPr>
+          <p:nvPr>
+            <p:ph idx="1"/>
+          </p:nvPr>
+        </p:nvSpPr>
+        <p:spPr>
+          <a:xfrm>
+            <a:off x="397933" y="1314028"/>
+            <a:ext cx="7596140" cy="4351338"/>
+          </a:xfrm>
+        </p:spPr>
+        <p:txBody>
+          <a:bodyPr>
+            <a:normAutofit fontScale="85000" lnSpcReduction="20000"/>
+          </a:bodyPr>
+          <a:lstStyle/>
+          <a:p>
+            <a:r>
+              <a:rPr lang="en-US" dirty="0"/>
+              <a:t>Erik Siegel</a:t>
+            </a:r>
+          </a:p>
+          <a:p>
+            <a:r>
+              <a:rPr lang="en-US" dirty="0"/>
+              <a:t>Content Engineer, XML Specialist, Technical Writer</a:t>
+            </a:r>
+          </a:p>
+          <a:p>
+            <a:r>
+              <a:rPr lang="en-US" dirty="0"/>
+              <a:t>Company: Xatapult</a:t>
+            </a:r>
+          </a:p>
+          <a:p>
+            <a:pPr lvl="1"/>
+            <a:r>
+              <a:rPr lang="en-US" dirty="0"/>
+              <a:t>Groningen, The Netherlands</a:t>
+            </a:r>
+          </a:p>
+          <a:p>
+            <a:pPr lvl="1"/>
+            <a:r>
+              <a:rPr lang="en-US" dirty="0"/>
+              <a:t>Customers mostly in publishing and standardization</a:t>
+            </a:r>
+          </a:p>
+          <a:p>
+            <a:r>
+              <a:rPr lang="en-US" dirty="0"/>
+              <a:t>Member of the XProc 3.0 editing committee</a:t>
+            </a:r>
+          </a:p>
+          <a:p>
+            <a:r>
+              <a:rPr lang="en-US" dirty="0"/>
+              <a:t>Writer of the XProc 3.0 Programmer Reference</a:t>
+            </a:r>
+          </a:p>
+          <a:p>
+            <a:r>
+              <a:rPr lang="en-US" dirty="0"/>
+              <a:t>Contact:</a:t>
+            </a:r>
+          </a:p>
+          <a:p>
+            <a:pPr marL="457200" lvl="1" indent="0">
+              <a:lnSpc>
+                <a:spcPct val="120000"/>
+              </a:lnSpc>
+              <a:buNone/>
+            </a:pPr>
+            <a:r>
+              <a:rPr lang="en-US" dirty="0">
+                <a:hlinkClick r:id="rId2"/>
+              </a:rPr>
+              <a:t>erik@xatapult.nl</a:t>
+            </a:r>
+            <a:br>
+              <a:rPr lang="en-US" dirty="0"/>
+            </a:br>
+            <a:r>
+              <a:rPr lang="en-US" dirty="0">
+                <a:hlinkClick r:id="rId3"/>
+              </a:rPr>
+              <a:t>www.xatapult.com</a:t>
+            </a:r>
+            <a:br>
+              <a:rPr lang="en-US" dirty="0"/>
+            </a:br>
+            <a:r>
+              <a:rPr lang="nl-NL" dirty="0">
+                <a:hlinkClick r:id="rId4"/>
+              </a:rPr>
+              <a:t>www.linkedin.com/in/esiegel/</a:t>
+            </a:r>
+            <a:br>
+              <a:rPr lang="en-US" dirty="0"/>
+            </a:br>
+            <a:r>
+              <a:rPr lang="en-US" sz="2200" dirty="0"/>
+              <a:t>+31 6 53260792</a:t>
+            </a:r>
+            <a:endParaRPr lang="en-NL" dirty="0"/>
+          </a:p>
+        </p:txBody>
+      </p:sp>
+      <p:pic>
+        <p:nvPicPr>
+          <p:cNvPr id="5" name="Picture 4" descr="A picture containing person, tree, outdoor, plant&#10;&#10;Description automatically generated">
+            <a:extLst>
+              <a:ext uri="{FF2B5EF4-FFF2-40B4-BE49-F238E27FC236}">
+                <a16:creationId xmlns:a16="http://schemas.microsoft.com/office/drawing/2014/main" id="{3FF018FF-B684-4C34-8584-00C9F7DBB523}"/>
+              </a:ext>
+            </a:extLst>
+          </p:cNvPr>
+          <p:cNvPicPr>
+            <a:picLocks noChangeAspect="1"/>
+          </p:cNvPicPr>
+          <p:nvPr/>
+        </p:nvPicPr>
+        <p:blipFill>
+          <a:blip r:embed="rId5">
+            <a:extLst>
+              <a:ext uri="{28A0092B-C50C-407E-A947-70E740481C1C}">
+                <a14:useLocalDpi xmlns:a14="http://schemas.microsoft.com/office/drawing/2010/main" val="0"/>
+              </a:ext>
+            </a:extLst>
+          </a:blip>
+          <a:stretch>
+            <a:fillRect/>
+          </a:stretch>
+        </p:blipFill>
+        <p:spPr>
+          <a:xfrm rot="5400000">
+            <a:off x="9123217" y="683781"/>
+            <a:ext cx="2549239" cy="1911929"/>
+          </a:xfrm>
+          <a:prstGeom prst="rect">
+            <a:avLst/>
+          </a:prstGeom>
+          <a:ln>
+            <a:noFill/>
+          </a:ln>
+          <a:effectLst>
+            <a:softEdge rad="112500"/>
+          </a:effectLst>
+        </p:spPr>
+      </p:pic>
+      <p:pic>
+        <p:nvPicPr>
+          <p:cNvPr id="6" name="Picture 5" descr="A close up of a logo&#10;&#10;Description automatically generated">
+            <a:extLst>
+              <a:ext uri="{FF2B5EF4-FFF2-40B4-BE49-F238E27FC236}">
+                <a16:creationId xmlns:a16="http://schemas.microsoft.com/office/drawing/2014/main" id="{AA48229B-4A12-469F-8AC5-7A2676886746}"/>
+              </a:ext>
+            </a:extLst>
+          </p:cNvPr>
+          <p:cNvPicPr>
+            <a:picLocks noChangeAspect="1"/>
+          </p:cNvPicPr>
+          <p:nvPr/>
+        </p:nvPicPr>
+        <p:blipFill>
+          <a:blip r:embed="rId6">
+            <a:extLst>
+              <a:ext uri="{28A0092B-C50C-407E-A947-70E740481C1C}">
+                <a14:useLocalDpi xmlns:a14="http://schemas.microsoft.com/office/drawing/2010/main" val="0"/>
+              </a:ext>
+            </a:extLst>
+          </a:blip>
+          <a:stretch>
+            <a:fillRect/>
+          </a:stretch>
+        </p:blipFill>
+        <p:spPr>
+          <a:xfrm rot="1067824">
+            <a:off x="7246928" y="2925754"/>
+            <a:ext cx="3638738" cy="3831804"/>
+          </a:xfrm>
+          <a:prstGeom prst="rect">
+            <a:avLst/>
+          </a:prstGeom>
+        </p:spPr>
+      </p:pic>
+    </p:spTree>
+    <p:extLst>
+      <p:ext uri="{BB962C8B-B14F-4D97-AF65-F5344CB8AC3E}">
+        <p14:creationId xmlns:p14="http://schemas.microsoft.com/office/powerpoint/2010/main" val="372394686"/>
+      </p:ext>
+    </p:extLst>
+  </p:cSld>
+  <p:clrMapOvr>
+    <a:masterClrMapping/>
+  </p:clrMapOvr>
+</p:sld>
+</file>
+
+<file path=ppt/slides/slide20.xml><?xml version="1.0" encoding="utf-8"?>
 <p:sld xmlns:a="http://schemas.openxmlformats.org/drawingml/2006/main" xmlns:r="http://schemas.openxmlformats.org/officeDocument/2006/relationships" xmlns:p="http://schemas.openxmlformats.org/presentationml/2006/main">
   <p:cSld>
     <p:spTree>
@@ -13105,267 +14471,6 @@
       <p:bldP spid="4" grpId="0" animBg="1"/>
     </p:bldLst>
   </p:timing>
-</p:sld>
-</file>
-
-<file path=ppt/slides/slide2.xml><?xml version="1.0" encoding="utf-8"?>
-<p:sld xmlns:a="http://schemas.openxmlformats.org/drawingml/2006/main" xmlns:r="http://schemas.openxmlformats.org/officeDocument/2006/relationships" xmlns:p="http://schemas.openxmlformats.org/presentationml/2006/main">
-  <p:cSld>
-    <p:spTree>
-      <p:nvGrpSpPr>
-        <p:cNvPr id="1" name=""/>
-        <p:cNvGrpSpPr/>
-        <p:nvPr/>
-      </p:nvGrpSpPr>
-      <p:grpSpPr>
-        <a:xfrm>
-          <a:off x="0" y="0"/>
-          <a:ext cx="0" cy="0"/>
-          <a:chOff x="0" y="0"/>
-          <a:chExt cx="0" cy="0"/>
-        </a:xfrm>
-      </p:grpSpPr>
-      <p:sp>
-        <p:nvSpPr>
-          <p:cNvPr id="2" name="Title 1">
-            <a:extLst>
-              <a:ext uri="{FF2B5EF4-FFF2-40B4-BE49-F238E27FC236}">
-                <a16:creationId xmlns:a16="http://schemas.microsoft.com/office/drawing/2014/main" id="{9C7D9E39-AC31-4065-84F2-01C2DA93A3CD}"/>
-              </a:ext>
-            </a:extLst>
-          </p:cNvPr>
-          <p:cNvSpPr>
-            <a:spLocks noGrp="1"/>
-          </p:cNvSpPr>
-          <p:nvPr>
-            <p:ph type="title"/>
-          </p:nvPr>
-        </p:nvSpPr>
-        <p:spPr>
-          <a:xfrm>
-            <a:off x="561109" y="243732"/>
-            <a:ext cx="10515600" cy="948902"/>
-          </a:xfrm>
-        </p:spPr>
-        <p:txBody>
-          <a:bodyPr/>
-          <a:lstStyle/>
-          <a:p>
-            <a:r>
-              <a:rPr lang="en-US" b="1" dirty="0"/>
-              <a:t>Who Am I?</a:t>
-            </a:r>
-            <a:endParaRPr lang="en-NL" b="1" dirty="0"/>
-          </a:p>
-        </p:txBody>
-      </p:sp>
-      <p:sp>
-        <p:nvSpPr>
-          <p:cNvPr id="3" name="Content Placeholder 2">
-            <a:extLst>
-              <a:ext uri="{FF2B5EF4-FFF2-40B4-BE49-F238E27FC236}">
-                <a16:creationId xmlns:a16="http://schemas.microsoft.com/office/drawing/2014/main" id="{110338D2-8565-4AF9-91CE-CD583FB0EBFE}"/>
-              </a:ext>
-            </a:extLst>
-          </p:cNvPr>
-          <p:cNvSpPr>
-            <a:spLocks noGrp="1"/>
-          </p:cNvSpPr>
-          <p:nvPr>
-            <p:ph idx="1"/>
-          </p:nvPr>
-        </p:nvSpPr>
-        <p:spPr>
-          <a:xfrm>
-            <a:off x="397933" y="1314028"/>
-            <a:ext cx="7596140" cy="4351338"/>
-          </a:xfrm>
-        </p:spPr>
-        <p:txBody>
-          <a:bodyPr>
-            <a:normAutofit fontScale="85000" lnSpcReduction="20000"/>
-          </a:bodyPr>
-          <a:lstStyle/>
-          <a:p>
-            <a:r>
-              <a:rPr lang="en-US" dirty="0"/>
-              <a:t>Erik Siegel</a:t>
-            </a:r>
-          </a:p>
-          <a:p>
-            <a:r>
-              <a:rPr lang="en-US" dirty="0"/>
-              <a:t>Content Engineer, XML Specialist, Technical Writer</a:t>
-            </a:r>
-          </a:p>
-          <a:p>
-            <a:r>
-              <a:rPr lang="en-US" dirty="0"/>
-              <a:t>Company: Xatapult</a:t>
-            </a:r>
-          </a:p>
-          <a:p>
-            <a:pPr lvl="1"/>
-            <a:r>
-              <a:rPr lang="en-US" dirty="0"/>
-              <a:t>Groningen, The Netherlands</a:t>
-            </a:r>
-          </a:p>
-          <a:p>
-            <a:pPr lvl="1"/>
-            <a:r>
-              <a:rPr lang="en-US" dirty="0"/>
-              <a:t>Customers mostly in publishing and standardization</a:t>
-            </a:r>
-          </a:p>
-          <a:p>
-            <a:r>
-              <a:rPr lang="en-US" dirty="0"/>
-              <a:t>Part of the XProc 3.0 editing committee</a:t>
-            </a:r>
-          </a:p>
-          <a:p>
-            <a:r>
-              <a:rPr lang="en-US" dirty="0"/>
-              <a:t>Writer of the XProc 3.0 Programmer Reference</a:t>
-            </a:r>
-          </a:p>
-          <a:p>
-            <a:r>
-              <a:rPr lang="en-US" dirty="0"/>
-              <a:t>Contact:</a:t>
-            </a:r>
-          </a:p>
-          <a:p>
-            <a:pPr marL="457200" lvl="1" indent="0">
-              <a:lnSpc>
-                <a:spcPct val="120000"/>
-              </a:lnSpc>
-              <a:buNone/>
-            </a:pPr>
-            <a:r>
-              <a:rPr lang="en-US" dirty="0">
-                <a:hlinkClick r:id="rId2"/>
-              </a:rPr>
-              <a:t>erik@xatapult.nl</a:t>
-            </a:r>
-            <a:br>
-              <a:rPr lang="en-US" dirty="0"/>
-            </a:br>
-            <a:r>
-              <a:rPr lang="en-US" dirty="0">
-                <a:hlinkClick r:id="rId3"/>
-              </a:rPr>
-              <a:t>www.xatapult.com</a:t>
-            </a:r>
-            <a:br>
-              <a:rPr lang="en-US" dirty="0"/>
-            </a:br>
-            <a:r>
-              <a:rPr lang="nl-NL" dirty="0">
-                <a:hlinkClick r:id="rId4"/>
-              </a:rPr>
-              <a:t>www.linkedin.com/in/esiegel/</a:t>
-            </a:r>
-            <a:br>
-              <a:rPr lang="en-US" dirty="0"/>
-            </a:br>
-            <a:r>
-              <a:rPr lang="en-US" sz="2200" dirty="0"/>
-              <a:t>+31 6 53260792</a:t>
-            </a:r>
-            <a:endParaRPr lang="en-NL" dirty="0"/>
-          </a:p>
-        </p:txBody>
-      </p:sp>
-      <p:pic>
-        <p:nvPicPr>
-          <p:cNvPr id="5" name="Picture 4" descr="A picture containing person, tree, outdoor, plant&#10;&#10;Description automatically generated">
-            <a:extLst>
-              <a:ext uri="{FF2B5EF4-FFF2-40B4-BE49-F238E27FC236}">
-                <a16:creationId xmlns:a16="http://schemas.microsoft.com/office/drawing/2014/main" id="{3FF018FF-B684-4C34-8584-00C9F7DBB523}"/>
-              </a:ext>
-            </a:extLst>
-          </p:cNvPr>
-          <p:cNvPicPr>
-            <a:picLocks noChangeAspect="1"/>
-          </p:cNvPicPr>
-          <p:nvPr/>
-        </p:nvPicPr>
-        <p:blipFill>
-          <a:blip r:embed="rId5">
-            <a:extLst>
-              <a:ext uri="{28A0092B-C50C-407E-A947-70E740481C1C}">
-                <a14:useLocalDpi xmlns:a14="http://schemas.microsoft.com/office/drawing/2010/main" val="0"/>
-              </a:ext>
-            </a:extLst>
-          </a:blip>
-          <a:stretch>
-            <a:fillRect/>
-          </a:stretch>
-        </p:blipFill>
-        <p:spPr>
-          <a:xfrm rot="5400000">
-            <a:off x="9123217" y="683781"/>
-            <a:ext cx="2549239" cy="1911929"/>
-          </a:xfrm>
-          <a:prstGeom prst="rect">
-            <a:avLst/>
-          </a:prstGeom>
-          <a:ln>
-            <a:noFill/>
-          </a:ln>
-          <a:effectLst>
-            <a:softEdge rad="112500"/>
-          </a:effectLst>
-        </p:spPr>
-      </p:pic>
-      <p:pic>
-        <p:nvPicPr>
-          <p:cNvPr id="6" name="Picture 5" descr="A close up of a logo&#10;&#10;Description automatically generated">
-            <a:extLst>
-              <a:ext uri="{FF2B5EF4-FFF2-40B4-BE49-F238E27FC236}">
-                <a16:creationId xmlns:a16="http://schemas.microsoft.com/office/drawing/2014/main" id="{AA48229B-4A12-469F-8AC5-7A2676886746}"/>
-              </a:ext>
-            </a:extLst>
-          </p:cNvPr>
-          <p:cNvPicPr>
-            <a:picLocks noChangeAspect="1"/>
-          </p:cNvPicPr>
-          <p:nvPr/>
-        </p:nvPicPr>
-        <p:blipFill>
-          <a:blip r:embed="rId6">
-            <a:extLst>
-              <a:ext uri="{28A0092B-C50C-407E-A947-70E740481C1C}">
-                <a14:useLocalDpi xmlns:a14="http://schemas.microsoft.com/office/drawing/2010/main" val="0"/>
-              </a:ext>
-            </a:extLst>
-          </a:blip>
-          <a:stretch>
-            <a:fillRect/>
-          </a:stretch>
-        </p:blipFill>
-        <p:spPr>
-          <a:xfrm rot="1067824">
-            <a:off x="7246928" y="2925754"/>
-            <a:ext cx="3638738" cy="3831804"/>
-          </a:xfrm>
-          <a:prstGeom prst="rect">
-            <a:avLst/>
-          </a:prstGeom>
-        </p:spPr>
-      </p:pic>
-    </p:spTree>
-    <p:extLst>
-      <p:ext uri="{BB962C8B-B14F-4D97-AF65-F5344CB8AC3E}">
-        <p14:creationId xmlns:p14="http://schemas.microsoft.com/office/powerpoint/2010/main" val="372394686"/>
-      </p:ext>
-    </p:extLst>
-  </p:cSld>
-  <p:clrMapOvr>
-    <a:masterClrMapping/>
-  </p:clrMapOvr>
 </p:sld>
 </file>
 

--- a/101-A/presentation/markupuk-2020-101-A.pptx
+++ b/101-A/presentation/markupuk-2020-101-A.pptx
@@ -33,7 +33,7 @@
     <p:sldId id="330" r:id="rId21"/>
   </p:sldIdLst>
   <p:sldSz cx="12192000" cy="6858000"/>
-  <p:notesSz cx="6858000" cy="9144000"/>
+  <p:notesSz cx="6797675" cy="9872663"/>
   <p:defaultTextStyle>
     <a:defPPr>
       <a:defRPr lang="en-US"/>
@@ -181,7 +181,7 @@
         <p:spPr>
           <a:xfrm>
             <a:off x="0" y="0"/>
-            <a:ext cx="2971800" cy="458788"/>
+            <a:ext cx="2945659" cy="495348"/>
           </a:xfrm>
           <a:prstGeom prst="rect">
             <a:avLst/>
@@ -217,8 +217,8 @@
         </p:nvSpPr>
         <p:spPr>
           <a:xfrm>
-            <a:off x="3884613" y="0"/>
-            <a:ext cx="2971800" cy="458788"/>
+            <a:off x="3850443" y="0"/>
+            <a:ext cx="2945659" cy="495348"/>
           </a:xfrm>
           <a:prstGeom prst="rect">
             <a:avLst/>
@@ -234,7 +234,7 @@
           <a:p>
             <a:fld id="{0AAE6376-87C4-4D16-82D1-D37904F930BA}" type="datetimeFigureOut">
               <a:rPr lang="en-NL" smtClean="0"/>
-              <a:t>28/05/2020</a:t>
+              <a:t>01/06/2020</a:t>
             </a:fld>
             <a:endParaRPr lang="en-NL"/>
           </a:p>
@@ -258,8 +258,8 @@
         </p:nvSpPr>
         <p:spPr>
           <a:xfrm>
-            <a:off x="0" y="8685213"/>
-            <a:ext cx="2971800" cy="458787"/>
+            <a:off x="0" y="9377317"/>
+            <a:ext cx="2945659" cy="495347"/>
           </a:xfrm>
           <a:prstGeom prst="rect">
             <a:avLst/>
@@ -295,8 +295,8 @@
         </p:nvSpPr>
         <p:spPr>
           <a:xfrm>
-            <a:off x="3884613" y="8685213"/>
-            <a:ext cx="2971800" cy="458787"/>
+            <a:off x="3850443" y="9377317"/>
+            <a:ext cx="2945659" cy="495347"/>
           </a:xfrm>
           <a:prstGeom prst="rect">
             <a:avLst/>
@@ -364,7 +364,7 @@
         <p:spPr>
           <a:xfrm>
             <a:off x="0" y="0"/>
-            <a:ext cx="2971800" cy="458788"/>
+            <a:ext cx="2945659" cy="495348"/>
           </a:xfrm>
           <a:prstGeom prst="rect">
             <a:avLst/>
@@ -394,8 +394,8 @@
         </p:nvSpPr>
         <p:spPr>
           <a:xfrm>
-            <a:off x="3884613" y="0"/>
-            <a:ext cx="2971800" cy="458788"/>
+            <a:off x="3850443" y="0"/>
+            <a:ext cx="2945659" cy="495348"/>
           </a:xfrm>
           <a:prstGeom prst="rect">
             <a:avLst/>
@@ -411,7 +411,7 @@
           <a:p>
             <a:fld id="{3FA52A83-AFF0-44B5-B0CB-BF1EF92BF110}" type="datetimeFigureOut">
               <a:rPr lang="en-NL" smtClean="0"/>
-              <a:t>28/05/2020</a:t>
+              <a:t>01/06/2020</a:t>
             </a:fld>
             <a:endParaRPr lang="en-NL"/>
           </a:p>
@@ -429,8 +429,8 @@
         </p:nvSpPr>
         <p:spPr>
           <a:xfrm>
-            <a:off x="685800" y="1143000"/>
-            <a:ext cx="5486400" cy="3086100"/>
+            <a:off x="438150" y="1233488"/>
+            <a:ext cx="5921375" cy="3332162"/>
           </a:xfrm>
           <a:prstGeom prst="rect">
             <a:avLst/>
@@ -462,8 +462,8 @@
         </p:nvSpPr>
         <p:spPr>
           <a:xfrm>
-            <a:off x="685800" y="4400550"/>
-            <a:ext cx="5486400" cy="3600450"/>
+            <a:off x="679768" y="4751219"/>
+            <a:ext cx="5438140" cy="3887361"/>
           </a:xfrm>
           <a:prstGeom prst="rect">
             <a:avLst/>
@@ -522,8 +522,8 @@
         </p:nvSpPr>
         <p:spPr>
           <a:xfrm>
-            <a:off x="0" y="8685213"/>
-            <a:ext cx="2971800" cy="458787"/>
+            <a:off x="0" y="9377317"/>
+            <a:ext cx="2945659" cy="495347"/>
           </a:xfrm>
           <a:prstGeom prst="rect">
             <a:avLst/>
@@ -553,8 +553,8 @@
         </p:nvSpPr>
         <p:spPr>
           <a:xfrm>
-            <a:off x="3884613" y="8685213"/>
-            <a:ext cx="2971800" cy="458787"/>
+            <a:off x="3850443" y="9377317"/>
+            <a:ext cx="2945659" cy="495347"/>
           </a:xfrm>
           <a:prstGeom prst="rect">
             <a:avLst/>
@@ -1248,7 +1248,7 @@
           <a:p>
             <a:fld id="{9446F294-FC6D-4658-8D72-6C175CC4BEDF}" type="datetimeFigureOut">
               <a:rPr lang="en-US" smtClean="0"/>
-              <a:t>5/28/2020</a:t>
+              <a:t>6/1/2020</a:t>
             </a:fld>
             <a:endParaRPr lang="en-US"/>
           </a:p>
@@ -1448,7 +1448,7 @@
           <a:p>
             <a:fld id="{9446F294-FC6D-4658-8D72-6C175CC4BEDF}" type="datetimeFigureOut">
               <a:rPr lang="en-US" smtClean="0"/>
-              <a:t>5/28/2020</a:t>
+              <a:t>6/1/2020</a:t>
             </a:fld>
             <a:endParaRPr lang="en-US"/>
           </a:p>
@@ -1658,7 +1658,7 @@
           <a:p>
             <a:fld id="{9446F294-FC6D-4658-8D72-6C175CC4BEDF}" type="datetimeFigureOut">
               <a:rPr lang="en-US" smtClean="0"/>
-              <a:t>5/28/2020</a:t>
+              <a:t>6/1/2020</a:t>
             </a:fld>
             <a:endParaRPr lang="en-US"/>
           </a:p>
@@ -1858,7 +1858,7 @@
           <a:p>
             <a:fld id="{9446F294-FC6D-4658-8D72-6C175CC4BEDF}" type="datetimeFigureOut">
               <a:rPr lang="en-US" smtClean="0"/>
-              <a:t>5/28/2020</a:t>
+              <a:t>6/1/2020</a:t>
             </a:fld>
             <a:endParaRPr lang="en-US"/>
           </a:p>
@@ -2134,7 +2134,7 @@
           <a:p>
             <a:fld id="{9446F294-FC6D-4658-8D72-6C175CC4BEDF}" type="datetimeFigureOut">
               <a:rPr lang="en-US" smtClean="0"/>
-              <a:t>5/28/2020</a:t>
+              <a:t>6/1/2020</a:t>
             </a:fld>
             <a:endParaRPr lang="en-US"/>
           </a:p>
@@ -2402,7 +2402,7 @@
           <a:p>
             <a:fld id="{9446F294-FC6D-4658-8D72-6C175CC4BEDF}" type="datetimeFigureOut">
               <a:rPr lang="en-US" smtClean="0"/>
-              <a:t>5/28/2020</a:t>
+              <a:t>6/1/2020</a:t>
             </a:fld>
             <a:endParaRPr lang="en-US"/>
           </a:p>
@@ -2817,7 +2817,7 @@
           <a:p>
             <a:fld id="{9446F294-FC6D-4658-8D72-6C175CC4BEDF}" type="datetimeFigureOut">
               <a:rPr lang="en-US" smtClean="0"/>
-              <a:t>5/28/2020</a:t>
+              <a:t>6/1/2020</a:t>
             </a:fld>
             <a:endParaRPr lang="en-US"/>
           </a:p>
@@ -2959,7 +2959,7 @@
           <a:p>
             <a:fld id="{9446F294-FC6D-4658-8D72-6C175CC4BEDF}" type="datetimeFigureOut">
               <a:rPr lang="en-US" smtClean="0"/>
-              <a:t>5/28/2020</a:t>
+              <a:t>6/1/2020</a:t>
             </a:fld>
             <a:endParaRPr lang="en-US"/>
           </a:p>
@@ -3072,7 +3072,7 @@
           <a:p>
             <a:fld id="{9446F294-FC6D-4658-8D72-6C175CC4BEDF}" type="datetimeFigureOut">
               <a:rPr lang="en-US" smtClean="0"/>
-              <a:t>5/28/2020</a:t>
+              <a:t>6/1/2020</a:t>
             </a:fld>
             <a:endParaRPr lang="en-US"/>
           </a:p>
@@ -3385,7 +3385,7 @@
           <a:p>
             <a:fld id="{9446F294-FC6D-4658-8D72-6C175CC4BEDF}" type="datetimeFigureOut">
               <a:rPr lang="en-US" smtClean="0"/>
-              <a:t>5/28/2020</a:t>
+              <a:t>6/1/2020</a:t>
             </a:fld>
             <a:endParaRPr lang="en-US"/>
           </a:p>
@@ -3674,7 +3674,7 @@
           <a:p>
             <a:fld id="{9446F294-FC6D-4658-8D72-6C175CC4BEDF}" type="datetimeFigureOut">
               <a:rPr lang="en-US" smtClean="0"/>
-              <a:t>5/28/2020</a:t>
+              <a:t>6/1/2020</a:t>
             </a:fld>
             <a:endParaRPr lang="en-US"/>
           </a:p>
@@ -3917,7 +3917,7 @@
           <a:p>
             <a:fld id="{9446F294-FC6D-4658-8D72-6C175CC4BEDF}" type="datetimeFigureOut">
               <a:rPr lang="en-US" smtClean="0"/>
-              <a:t>5/28/2020</a:t>
+              <a:t>6/1/2020</a:t>
             </a:fld>
             <a:endParaRPr lang="en-US"/>
           </a:p>
@@ -15404,7 +15404,7 @@
         </p:spPr>
         <p:txBody>
           <a:bodyPr>
-            <a:normAutofit fontScale="92500" lnSpcReduction="10000"/>
+            <a:normAutofit fontScale="92500" lnSpcReduction="20000"/>
           </a:bodyPr>
           <a:lstStyle/>
           <a:p>
@@ -15427,6 +15427,23 @@
             <a:r>
               <a:rPr lang="en-US" dirty="0"/>
               <a:t>Unzip the zip</a:t>
+            </a:r>
+          </a:p>
+          <a:p>
+            <a:r>
+              <a:rPr lang="en-US" dirty="0"/>
+              <a:t>Add one of the Saxon jars to the </a:t>
+            </a:r>
+            <a:r>
+              <a:rPr lang="en-US" sz="2400" b="1" dirty="0" err="1">
+                <a:latin typeface="Courier New" panose="02070309020205020404" pitchFamily="49" charset="0"/>
+                <a:cs typeface="Courier New" panose="02070309020205020404" pitchFamily="49" charset="0"/>
+              </a:rPr>
+              <a:t>MorganaXProc-IIIse_lib</a:t>
+            </a:r>
+            <a:r>
+              <a:rPr lang="en-US" dirty="0"/>
+              <a:t> sub-directory</a:t>
             </a:r>
           </a:p>
           <a:p>

--- a/101-A/presentation/markupuk-2020-101-A.pptx
+++ b/101-A/presentation/markupuk-2020-101-A.pptx
@@ -13651,7 +13651,32 @@
           <a:p>
             <a:r>
               <a:rPr lang="en-US" dirty="0"/>
-              <a:t>You can connect a port to:</a:t>
+              <a:t>You can connect a port using </a:t>
+            </a:r>
+            <a:r>
+              <a:rPr lang="en-US" sz="2400" dirty="0">
+                <a:latin typeface="Courier New" panose="02070309020205020404" pitchFamily="49" charset="0"/>
+                <a:cs typeface="Courier New" panose="02070309020205020404" pitchFamily="49" charset="0"/>
+              </a:rPr>
+              <a:t>&lt;</a:t>
+            </a:r>
+            <a:r>
+              <a:rPr lang="en-US" sz="2400" dirty="0" err="1">
+                <a:latin typeface="Courier New" panose="02070309020205020404" pitchFamily="49" charset="0"/>
+                <a:cs typeface="Courier New" panose="02070309020205020404" pitchFamily="49" charset="0"/>
+              </a:rPr>
+              <a:t>p:with-input</a:t>
+            </a:r>
+            <a:r>
+              <a:rPr lang="en-US" sz="2400" dirty="0">
+                <a:latin typeface="Courier New" panose="02070309020205020404" pitchFamily="49" charset="0"/>
+                <a:cs typeface="Courier New" panose="02070309020205020404" pitchFamily="49" charset="0"/>
+              </a:rPr>
+              <a:t> port="…"&gt;</a:t>
+            </a:r>
+            <a:r>
+              <a:rPr lang="en-US" dirty="0"/>
+              <a:t> to:</a:t>
             </a:r>
           </a:p>
           <a:p>

--- a/101-A/presentation/markupuk-2020-101-A.pptx
+++ b/101-A/presentation/markupuk-2020-101-A.pptx
@@ -4497,6 +4497,48 @@
               <a:rPr lang="en-US" sz="2800" dirty="0"/>
               <a:t>Webinar</a:t>
             </a:r>
+          </a:p>
+        </p:txBody>
+      </p:sp>
+      <p:sp>
+        <p:nvSpPr>
+          <p:cNvPr id="5" name="TextBox 4">
+            <a:extLst>
+              <a:ext uri="{FF2B5EF4-FFF2-40B4-BE49-F238E27FC236}">
+                <a16:creationId xmlns:a16="http://schemas.microsoft.com/office/drawing/2014/main" id="{5C8DF7A8-B6B2-4EA4-996C-F6E47C6FA5FB}"/>
+              </a:ext>
+            </a:extLst>
+          </p:cNvPr>
+          <p:cNvSpPr txBox="1"/>
+          <p:nvPr/>
+        </p:nvSpPr>
+        <p:spPr>
+          <a:xfrm>
+            <a:off x="488515" y="6111103"/>
+            <a:ext cx="10293292" cy="461665"/>
+          </a:xfrm>
+          <a:prstGeom prst="rect">
+            <a:avLst/>
+          </a:prstGeom>
+          <a:noFill/>
+        </p:spPr>
+        <p:txBody>
+          <a:bodyPr wrap="square" rtlCol="0">
+            <a:spAutoFit/>
+          </a:bodyPr>
+          <a:lstStyle/>
+          <a:p>
+            <a:r>
+              <a:rPr lang="en-US" sz="2400" dirty="0"/>
+              <a:t>GIT for this webinar: </a:t>
+            </a:r>
+            <a:r>
+              <a:rPr lang="en-GB" sz="2400" dirty="0">
+                <a:hlinkClick r:id="rId4"/>
+              </a:rPr>
+              <a:t>https://github.com/xatapult/markupuk-2020</a:t>
+            </a:r>
+            <a:endParaRPr lang="en-GB" sz="2400" dirty="0"/>
           </a:p>
         </p:txBody>
       </p:sp>
@@ -14213,15 +14255,32 @@
             <a:endParaRPr lang="nl-NL" dirty="0"/>
           </a:p>
           <a:p>
-            <a:endParaRPr lang="nl-NL" dirty="0"/>
-          </a:p>
-          <a:p>
             <a:pPr marL="0" indent="0">
               <a:buNone/>
             </a:pPr>
             <a:r>
+              <a:rPr lang="nl-NL" dirty="0"/>
+              <a:t>GIT </a:t>
+            </a:r>
+            <a:r>
               <a:rPr lang="nl-NL" dirty="0" err="1"/>
-              <a:t>Specification</a:t>
+              <a:t>for</a:t>
+            </a:r>
+            <a:r>
+              <a:rPr lang="nl-NL" dirty="0"/>
+              <a:t> </a:t>
+            </a:r>
+            <a:r>
+              <a:rPr lang="nl-NL" dirty="0" err="1"/>
+              <a:t>this</a:t>
+            </a:r>
+            <a:r>
+              <a:rPr lang="nl-NL" dirty="0"/>
+              <a:t> </a:t>
+            </a:r>
+            <a:r>
+              <a:rPr lang="nl-NL" dirty="0" err="1"/>
+              <a:t>webinar</a:t>
             </a:r>
             <a:r>
               <a:rPr lang="nl-NL" dirty="0"/>
@@ -14231,64 +14290,33 @@
               <a:rPr lang="en-GB" dirty="0">
                 <a:hlinkClick r:id="rId3"/>
               </a:rPr>
-              <a:t>https://spec.xproc.org/</a:t>
-            </a:r>
-            <a:endParaRPr lang="en-GB" dirty="0"/>
+              <a:t>https://github.com/xatapult/markupuk-2020</a:t>
+            </a:r>
+            <a:endParaRPr lang="nl-NL" dirty="0"/>
           </a:p>
           <a:p>
             <a:pPr marL="0" indent="0">
               <a:buNone/>
             </a:pPr>
-            <a:r>
-              <a:rPr lang="en-GB" dirty="0"/>
-              <a:t>Processors:</a:t>
-            </a:r>
-          </a:p>
-          <a:p>
-            <a:pPr lvl="1"/>
-            <a:r>
-              <a:rPr lang="en-GB" dirty="0"/>
-              <a:t>Morgana: </a:t>
-            </a:r>
-            <a:r>
-              <a:rPr lang="nl-NL" dirty="0">
-                <a:hlinkClick r:id="rId4"/>
-              </a:rPr>
-              <a:t>https://www.xml-project.com/</a:t>
-            </a:r>
             <a:endParaRPr lang="nl-NL" dirty="0"/>
-          </a:p>
-          <a:p>
-            <a:pPr lvl="1"/>
-            <a:r>
-              <a:rPr lang="nl-NL" dirty="0" err="1"/>
-              <a:t>Calabash</a:t>
-            </a:r>
-            <a:r>
-              <a:rPr lang="nl-NL" dirty="0"/>
-              <a:t>: </a:t>
-            </a:r>
-            <a:r>
-              <a:rPr lang="en-GB" dirty="0">
-                <a:hlinkClick r:id="rId5"/>
-              </a:rPr>
-              <a:t>https://xmlcalabash.com/</a:t>
-            </a:r>
-            <a:endParaRPr lang="en-GB" dirty="0"/>
           </a:p>
           <a:p>
             <a:pPr marL="0" indent="0">
               <a:buNone/>
             </a:pPr>
             <a:r>
-              <a:rPr lang="en-GB" dirty="0"/>
-              <a:t>Articles on XProc: </a:t>
+              <a:rPr lang="nl-NL" dirty="0" err="1"/>
+              <a:t>Specification</a:t>
+            </a:r>
+            <a:r>
+              <a:rPr lang="nl-NL" dirty="0"/>
+              <a:t>: </a:t>
             </a:r>
             <a:r>
               <a:rPr lang="en-GB" dirty="0">
-                <a:hlinkClick r:id="rId6"/>
-              </a:rPr>
-              <a:t>https://www.xml.com</a:t>
+                <a:hlinkClick r:id="rId4"/>
+              </a:rPr>
+              <a:t>https://spec.xproc.org/</a:t>
             </a:r>
             <a:endParaRPr lang="en-GB" dirty="0"/>
           </a:p>
@@ -14298,12 +14326,69 @@
             </a:pPr>
             <a:r>
               <a:rPr lang="en-GB" dirty="0"/>
-              <a:t>Book: </a:t>
+              <a:t>Processors:</a:t>
+            </a:r>
+          </a:p>
+          <a:p>
+            <a:pPr lvl="1"/>
+            <a:r>
+              <a:rPr lang="en-GB" dirty="0"/>
+              <a:t>Morgana: </a:t>
+            </a:r>
+            <a:r>
+              <a:rPr lang="nl-NL" dirty="0">
+                <a:hlinkClick r:id="rId5"/>
+              </a:rPr>
+              <a:t>https://www.xml-project.com/</a:t>
+            </a:r>
+            <a:endParaRPr lang="nl-NL" dirty="0"/>
+          </a:p>
+          <a:p>
+            <a:pPr lvl="1"/>
+            <a:r>
+              <a:rPr lang="nl-NL" dirty="0" err="1"/>
+              <a:t>Calabash</a:t>
+            </a:r>
+            <a:r>
+              <a:rPr lang="nl-NL" dirty="0"/>
+              <a:t>: </a:t>
+            </a:r>
+            <a:r>
+              <a:rPr lang="en-GB" dirty="0">
+                <a:hlinkClick r:id="rId6"/>
+              </a:rPr>
+              <a:t>https://xmlcalabash.com/</a:t>
+            </a:r>
+            <a:endParaRPr lang="en-GB" dirty="0"/>
+          </a:p>
+          <a:p>
+            <a:pPr marL="0" indent="0">
+              <a:buNone/>
+            </a:pPr>
+            <a:r>
+              <a:rPr lang="en-GB" dirty="0"/>
+              <a:t>Articles on XProc: </a:t>
             </a:r>
             <a:r>
               <a:rPr lang="en-GB" dirty="0">
                 <a:hlinkClick r:id="rId7"/>
               </a:rPr>
+              <a:t>https://www.xml.com</a:t>
+            </a:r>
+            <a:endParaRPr lang="en-GB" dirty="0"/>
+          </a:p>
+          <a:p>
+            <a:pPr marL="0" indent="0">
+              <a:buNone/>
+            </a:pPr>
+            <a:r>
+              <a:rPr lang="en-GB" dirty="0"/>
+              <a:t>Book: </a:t>
+            </a:r>
+            <a:r>
+              <a:rPr lang="en-GB" dirty="0">
+                <a:hlinkClick r:id="rId8"/>
+              </a:rPr>
               <a:t>https://xmlpress.net/publications/xproc-3-0/</a:t>
             </a:r>
             <a:endParaRPr lang="en-GB" dirty="0"/>
@@ -14324,13 +14409,13 @@
         </p:nvSpPr>
         <p:spPr>
           <a:xfrm>
-            <a:off x="7548663" y="1780162"/>
+            <a:off x="7113768" y="2879119"/>
             <a:ext cx="4364477" cy="2289242"/>
           </a:xfrm>
           <a:prstGeom prst="wedgeEllipseCallout">
             <a:avLst>
-              <a:gd name="adj1" fmla="val 43251"/>
-              <a:gd name="adj2" fmla="val 159929"/>
+              <a:gd name="adj1" fmla="val 52477"/>
+              <a:gd name="adj2" fmla="val 111923"/>
             </a:avLst>
           </a:prstGeom>
         </p:spPr>
@@ -14407,95 +14492,6 @@
   <p:clrMapOvr>
     <a:masterClrMapping/>
   </p:clrMapOvr>
-  <p:timing>
-    <p:tnLst>
-      <p:par>
-        <p:cTn id="1" dur="indefinite" restart="never" nodeType="tmRoot">
-          <p:childTnLst>
-            <p:seq concurrent="1" nextAc="seek">
-              <p:cTn id="2" dur="indefinite" nodeType="mainSeq">
-                <p:childTnLst>
-                  <p:par>
-                    <p:cTn id="3" fill="hold">
-                      <p:stCondLst>
-                        <p:cond delay="indefinite"/>
-                        <p:cond evt="onBegin" delay="0">
-                          <p:tn val="2"/>
-                        </p:cond>
-                      </p:stCondLst>
-                      <p:childTnLst>
-                        <p:par>
-                          <p:cTn id="4" fill="hold">
-                            <p:stCondLst>
-                              <p:cond delay="0"/>
-                            </p:stCondLst>
-                            <p:childTnLst>
-                              <p:par>
-                                <p:cTn id="5" presetID="10" presetClass="entr" presetSubtype="0" fill="hold" grpId="0" nodeType="withEffect">
-                                  <p:stCondLst>
-                                    <p:cond delay="4000"/>
-                                  </p:stCondLst>
-                                  <p:childTnLst>
-                                    <p:set>
-                                      <p:cBhvr>
-                                        <p:cTn id="6" dur="1" fill="hold">
-                                          <p:stCondLst>
-                                            <p:cond delay="0"/>
-                                          </p:stCondLst>
-                                        </p:cTn>
-                                        <p:tgtEl>
-                                          <p:spTgt spid="4"/>
-                                        </p:tgtEl>
-                                        <p:attrNameLst>
-                                          <p:attrName>style.visibility</p:attrName>
-                                        </p:attrNameLst>
-                                      </p:cBhvr>
-                                      <p:to>
-                                        <p:strVal val="visible"/>
-                                      </p:to>
-                                    </p:set>
-                                    <p:animEffect transition="in" filter="fade">
-                                      <p:cBhvr>
-                                        <p:cTn id="7" dur="2000"/>
-                                        <p:tgtEl>
-                                          <p:spTgt spid="4"/>
-                                        </p:tgtEl>
-                                      </p:cBhvr>
-                                    </p:animEffect>
-                                  </p:childTnLst>
-                                </p:cTn>
-                              </p:par>
-                            </p:childTnLst>
-                          </p:cTn>
-                        </p:par>
-                      </p:childTnLst>
-                    </p:cTn>
-                  </p:par>
-                </p:childTnLst>
-              </p:cTn>
-              <p:prevCondLst>
-                <p:cond evt="onPrev" delay="0">
-                  <p:tgtEl>
-                    <p:sldTgt/>
-                  </p:tgtEl>
-                </p:cond>
-              </p:prevCondLst>
-              <p:nextCondLst>
-                <p:cond evt="onNext" delay="0">
-                  <p:tgtEl>
-                    <p:sldTgt/>
-                  </p:tgtEl>
-                </p:cond>
-              </p:nextCondLst>
-            </p:seq>
-          </p:childTnLst>
-        </p:cTn>
-      </p:par>
-    </p:tnLst>
-    <p:bldLst>
-      <p:bldP spid="4" grpId="0" animBg="1"/>
-    </p:bldLst>
-  </p:timing>
 </p:sld>
 </file>
 
